--- a/Slides/Lecture08 - Design Patterns in Practice.pptx
+++ b/Slides/Lecture08 - Design Patterns in Practice.pptx
@@ -356,7 +356,7 @@
               <a:rPr lang="en-US" smtClean="0">
                 <a:latin typeface="Segoe UI" pitchFamily="34" charset="0"/>
               </a:rPr>
-              <a:t>10/5/2017</a:t>
+              <a:t>10/26/2017</a:t>
             </a:fld>
             <a:endParaRPr lang="en-US" dirty="0">
               <a:latin typeface="Segoe UI" pitchFamily="34" charset="0"/>
@@ -679,7 +679,7 @@
             <a:fld id="{D51B1278-D92B-4AF3-A9C1-71DD298190CE}" type="datetimeFigureOut">
               <a:rPr lang="en-US" smtClean="0"/>
               <a:pPr/>
-              <a:t>10/5/2017</a:t>
+              <a:t>10/25/2017</a:t>
             </a:fld>
             <a:endParaRPr lang="en-US" dirty="0"/>
           </a:p>
@@ -922,6 +922,2442 @@
     </a:lvl9pPr>
   </p:notesStyle>
 </p:notesMaster>
+</file>
+
+<file path=ppt/notesSlides/notesSlide1.xml><?xml version="1.0" encoding="utf-8"?>
+<p:notes xmlns:a="http://schemas.openxmlformats.org/drawingml/2006/main" xmlns:r="http://schemas.openxmlformats.org/officeDocument/2006/relationships" xmlns:p="http://schemas.openxmlformats.org/presentationml/2006/main">
+  <p:cSld>
+    <p:spTree>
+      <p:nvGrpSpPr>
+        <p:cNvPr id="1" name=""/>
+        <p:cNvGrpSpPr/>
+        <p:nvPr/>
+      </p:nvGrpSpPr>
+      <p:grpSpPr>
+        <a:xfrm>
+          <a:off x="0" y="0"/>
+          <a:ext cx="0" cy="0"/>
+          <a:chOff x="0" y="0"/>
+          <a:chExt cx="0" cy="0"/>
+        </a:xfrm>
+      </p:grpSpPr>
+      <p:sp>
+        <p:nvSpPr>
+          <p:cNvPr id="2" name="Slide Image Placeholder 1"/>
+          <p:cNvSpPr>
+            <a:spLocks noGrp="1" noRot="1" noChangeAspect="1"/>
+          </p:cNvSpPr>
+          <p:nvPr>
+            <p:ph type="sldImg"/>
+          </p:nvPr>
+        </p:nvSpPr>
+        <p:spPr/>
+      </p:sp>
+      <p:sp>
+        <p:nvSpPr>
+          <p:cNvPr id="3" name="Notes Placeholder 2"/>
+          <p:cNvSpPr>
+            <a:spLocks noGrp="1"/>
+          </p:cNvSpPr>
+          <p:nvPr>
+            <p:ph type="body" idx="1"/>
+          </p:nvPr>
+        </p:nvSpPr>
+        <p:spPr/>
+        <p:txBody>
+          <a:bodyPr/>
+          <a:lstStyle/>
+          <a:p>
+            <a:endParaRPr lang="en-US"/>
+          </a:p>
+        </p:txBody>
+      </p:sp>
+      <p:sp>
+        <p:nvSpPr>
+          <p:cNvPr id="4" name="Header Placeholder 3"/>
+          <p:cNvSpPr>
+            <a:spLocks noGrp="1"/>
+          </p:cNvSpPr>
+          <p:nvPr>
+            <p:ph type="hdr" sz="quarter" idx="10"/>
+          </p:nvPr>
+        </p:nvSpPr>
+        <p:spPr/>
+        <p:txBody>
+          <a:bodyPr/>
+          <a:lstStyle/>
+          <a:p>
+            <a:endParaRPr lang="en-US" dirty="0"/>
+          </a:p>
+        </p:txBody>
+      </p:sp>
+      <p:sp>
+        <p:nvSpPr>
+          <p:cNvPr id="5" name="Footer Placeholder 4"/>
+          <p:cNvSpPr>
+            <a:spLocks noGrp="1"/>
+          </p:cNvSpPr>
+          <p:nvPr>
+            <p:ph type="ftr" sz="quarter" idx="11"/>
+          </p:nvPr>
+        </p:nvSpPr>
+        <p:spPr/>
+        <p:txBody>
+          <a:bodyPr/>
+          <a:lstStyle/>
+          <a:p>
+            <a:pPr defTabSz="914099" eaLnBrk="0" hangingPunct="0"/>
+            <a:r>
+              <a:rPr lang="en-US" sz="400">
+                <a:gradFill>
+                  <a:gsLst>
+                    <a:gs pos="0">
+                      <a:prstClr val="black"/>
+                    </a:gs>
+                    <a:gs pos="100000">
+                      <a:prstClr val="black"/>
+                    </a:gs>
+                  </a:gsLst>
+                  <a:lin ang="5400000" scaled="0"/>
+                </a:gradFill>
+                <a:latin typeface="Segoe UI" pitchFamily="34" charset="0"/>
+                <a:ea typeface="Segoe UI" pitchFamily="34" charset="0"/>
+                <a:cs typeface="Segoe UI" pitchFamily="34" charset="0"/>
+              </a:rPr>
+              <a:t>© 2012 Microsoft Corporation. All rights reserved. Microsoft, Windows, and other product names are or may be registered trademarks and/or trademarks in the U.S. and/or other countries.</a:t>
+            </a:r>
+          </a:p>
+          <a:p>
+            <a:pPr defTabSz="914099" eaLnBrk="0" hangingPunct="0"/>
+            <a:r>
+              <a:rPr lang="en-US" sz="400">
+                <a:gradFill>
+                  <a:gsLst>
+                    <a:gs pos="0">
+                      <a:prstClr val="black"/>
+                    </a:gs>
+                    <a:gs pos="100000">
+                      <a:prstClr val="black"/>
+                    </a:gs>
+                  </a:gsLst>
+                  <a:lin ang="5400000" scaled="0"/>
+                </a:gradFill>
+                <a:latin typeface="Segoe UI" pitchFamily="34" charset="0"/>
+                <a:ea typeface="Segoe UI" pitchFamily="34" charset="0"/>
+                <a:cs typeface="Segoe UI" pitchFamily="34" charset="0"/>
+              </a:rPr>
+              <a:t>The information herein is for informational purposes only and represents the current view of Microsoft Corporation as of the date of this presentation.  Because Microsoft must respond to changing market conditions, it should not be interpreted to be a commitment on the part of Microsoft, and Microsoft cannot guarantee the accuracy of any information provided after the date of this presentation.  MICROSOFT MAKES NO WARRANTIES, EXPRESS, IMPLIED OR STATUTORY, AS TO THE INFORMATION IN THIS PRESENTATION.</a:t>
+            </a:r>
+            <a:endParaRPr lang="en-US" sz="400" dirty="0">
+              <a:gradFill>
+                <a:gsLst>
+                  <a:gs pos="0">
+                    <a:prstClr val="black"/>
+                  </a:gs>
+                  <a:gs pos="100000">
+                    <a:prstClr val="black"/>
+                  </a:gs>
+                </a:gsLst>
+                <a:lin ang="5400000" scaled="0"/>
+              </a:gradFill>
+              <a:latin typeface="Segoe UI" pitchFamily="34" charset="0"/>
+              <a:ea typeface="Segoe UI" pitchFamily="34" charset="0"/>
+              <a:cs typeface="Segoe UI" pitchFamily="34" charset="0"/>
+            </a:endParaRPr>
+          </a:p>
+        </p:txBody>
+      </p:sp>
+      <p:sp>
+        <p:nvSpPr>
+          <p:cNvPr id="6" name="Date Placeholder 5"/>
+          <p:cNvSpPr>
+            <a:spLocks noGrp="1"/>
+          </p:cNvSpPr>
+          <p:nvPr>
+            <p:ph type="dt" idx="12"/>
+          </p:nvPr>
+        </p:nvSpPr>
+        <p:spPr/>
+        <p:txBody>
+          <a:bodyPr/>
+          <a:lstStyle/>
+          <a:p>
+            <a:fld id="{A52C21BA-0070-47D9-9EDF-40169F52AFFC}" type="datetime1">
+              <a:rPr lang="en-US" smtClean="0"/>
+              <a:t>10/25/2017</a:t>
+            </a:fld>
+            <a:endParaRPr lang="en-US" dirty="0"/>
+          </a:p>
+        </p:txBody>
+      </p:sp>
+      <p:sp>
+        <p:nvSpPr>
+          <p:cNvPr id="7" name="Slide Number Placeholder 6"/>
+          <p:cNvSpPr>
+            <a:spLocks noGrp="1"/>
+          </p:cNvSpPr>
+          <p:nvPr>
+            <p:ph type="sldNum" sz="quarter" idx="13"/>
+          </p:nvPr>
+        </p:nvSpPr>
+        <p:spPr/>
+        <p:txBody>
+          <a:bodyPr/>
+          <a:lstStyle/>
+          <a:p>
+            <a:fld id="{B4008EB6-D09E-4580-8CD6-DDB14511944F}" type="slidenum">
+              <a:rPr lang="en-US" smtClean="0"/>
+              <a:pPr/>
+              <a:t>1</a:t>
+            </a:fld>
+            <a:endParaRPr lang="en-US" dirty="0"/>
+          </a:p>
+        </p:txBody>
+      </p:sp>
+    </p:spTree>
+    <p:extLst>
+      <p:ext uri="{BB962C8B-B14F-4D97-AF65-F5344CB8AC3E}">
+        <p14:creationId xmlns:p14="http://schemas.microsoft.com/office/powerpoint/2010/main" val="2886268609"/>
+      </p:ext>
+    </p:extLst>
+  </p:cSld>
+  <p:clrMapOvr>
+    <a:masterClrMapping/>
+  </p:clrMapOvr>
+</p:notes>
+</file>
+
+<file path=ppt/notesSlides/notesSlide10.xml><?xml version="1.0" encoding="utf-8"?>
+<p:notes xmlns:a="http://schemas.openxmlformats.org/drawingml/2006/main" xmlns:r="http://schemas.openxmlformats.org/officeDocument/2006/relationships" xmlns:p="http://schemas.openxmlformats.org/presentationml/2006/main">
+  <p:cSld>
+    <p:spTree>
+      <p:nvGrpSpPr>
+        <p:cNvPr id="1" name=""/>
+        <p:cNvGrpSpPr/>
+        <p:nvPr/>
+      </p:nvGrpSpPr>
+      <p:grpSpPr>
+        <a:xfrm>
+          <a:off x="0" y="0"/>
+          <a:ext cx="0" cy="0"/>
+          <a:chOff x="0" y="0"/>
+          <a:chExt cx="0" cy="0"/>
+        </a:xfrm>
+      </p:grpSpPr>
+      <p:sp>
+        <p:nvSpPr>
+          <p:cNvPr id="2" name="Slide Image Placeholder 1"/>
+          <p:cNvSpPr>
+            <a:spLocks noGrp="1" noRot="1" noChangeAspect="1"/>
+          </p:cNvSpPr>
+          <p:nvPr>
+            <p:ph type="sldImg"/>
+          </p:nvPr>
+        </p:nvSpPr>
+        <p:spPr/>
+      </p:sp>
+      <p:sp>
+        <p:nvSpPr>
+          <p:cNvPr id="3" name="Notes Placeholder 2"/>
+          <p:cNvSpPr>
+            <a:spLocks noGrp="1"/>
+          </p:cNvSpPr>
+          <p:nvPr>
+            <p:ph type="body" idx="1"/>
+          </p:nvPr>
+        </p:nvSpPr>
+        <p:spPr/>
+        <p:txBody>
+          <a:bodyPr/>
+          <a:lstStyle/>
+          <a:p>
+            <a:endParaRPr lang="en-US"/>
+          </a:p>
+        </p:txBody>
+      </p:sp>
+      <p:sp>
+        <p:nvSpPr>
+          <p:cNvPr id="4" name="Header Placeholder 3"/>
+          <p:cNvSpPr>
+            <a:spLocks noGrp="1"/>
+          </p:cNvSpPr>
+          <p:nvPr>
+            <p:ph type="hdr" sz="quarter" idx="10"/>
+          </p:nvPr>
+        </p:nvSpPr>
+        <p:spPr/>
+        <p:txBody>
+          <a:bodyPr/>
+          <a:lstStyle/>
+          <a:p>
+            <a:endParaRPr lang="en-US" dirty="0"/>
+          </a:p>
+        </p:txBody>
+      </p:sp>
+      <p:sp>
+        <p:nvSpPr>
+          <p:cNvPr id="5" name="Footer Placeholder 4"/>
+          <p:cNvSpPr>
+            <a:spLocks noGrp="1"/>
+          </p:cNvSpPr>
+          <p:nvPr>
+            <p:ph type="ftr" sz="quarter" idx="11"/>
+          </p:nvPr>
+        </p:nvSpPr>
+        <p:spPr/>
+        <p:txBody>
+          <a:bodyPr/>
+          <a:lstStyle/>
+          <a:p>
+            <a:pPr defTabSz="914099" eaLnBrk="0" hangingPunct="0"/>
+            <a:r>
+              <a:rPr lang="en-US" sz="400">
+                <a:gradFill>
+                  <a:gsLst>
+                    <a:gs pos="0">
+                      <a:prstClr val="black"/>
+                    </a:gs>
+                    <a:gs pos="100000">
+                      <a:prstClr val="black"/>
+                    </a:gs>
+                  </a:gsLst>
+                  <a:lin ang="5400000" scaled="0"/>
+                </a:gradFill>
+                <a:latin typeface="Segoe UI" pitchFamily="34" charset="0"/>
+                <a:ea typeface="Segoe UI" pitchFamily="34" charset="0"/>
+                <a:cs typeface="Segoe UI" pitchFamily="34" charset="0"/>
+              </a:rPr>
+              <a:t>© 2012 Microsoft Corporation. All rights reserved. Microsoft, Windows, and other product names are or may be registered trademarks and/or trademarks in the U.S. and/or other countries.</a:t>
+            </a:r>
+          </a:p>
+          <a:p>
+            <a:pPr defTabSz="914099" eaLnBrk="0" hangingPunct="0"/>
+            <a:r>
+              <a:rPr lang="en-US" sz="400">
+                <a:gradFill>
+                  <a:gsLst>
+                    <a:gs pos="0">
+                      <a:prstClr val="black"/>
+                    </a:gs>
+                    <a:gs pos="100000">
+                      <a:prstClr val="black"/>
+                    </a:gs>
+                  </a:gsLst>
+                  <a:lin ang="5400000" scaled="0"/>
+                </a:gradFill>
+                <a:latin typeface="Segoe UI" pitchFamily="34" charset="0"/>
+                <a:ea typeface="Segoe UI" pitchFamily="34" charset="0"/>
+                <a:cs typeface="Segoe UI" pitchFamily="34" charset="0"/>
+              </a:rPr>
+              <a:t>The information herein is for informational purposes only and represents the current view of Microsoft Corporation as of the date of this presentation.  Because Microsoft must respond to changing market conditions, it should not be interpreted to be a commitment on the part of Microsoft, and Microsoft cannot guarantee the accuracy of any information provided after the date of this presentation.  MICROSOFT MAKES NO WARRANTIES, EXPRESS, IMPLIED OR STATUTORY, AS TO THE INFORMATION IN THIS PRESENTATION.</a:t>
+            </a:r>
+            <a:endParaRPr lang="en-US" sz="400" dirty="0">
+              <a:gradFill>
+                <a:gsLst>
+                  <a:gs pos="0">
+                    <a:prstClr val="black"/>
+                  </a:gs>
+                  <a:gs pos="100000">
+                    <a:prstClr val="black"/>
+                  </a:gs>
+                </a:gsLst>
+                <a:lin ang="5400000" scaled="0"/>
+              </a:gradFill>
+              <a:latin typeface="Segoe UI" pitchFamily="34" charset="0"/>
+              <a:ea typeface="Segoe UI" pitchFamily="34" charset="0"/>
+              <a:cs typeface="Segoe UI" pitchFamily="34" charset="0"/>
+            </a:endParaRPr>
+          </a:p>
+        </p:txBody>
+      </p:sp>
+      <p:sp>
+        <p:nvSpPr>
+          <p:cNvPr id="6" name="Date Placeholder 5"/>
+          <p:cNvSpPr>
+            <a:spLocks noGrp="1"/>
+          </p:cNvSpPr>
+          <p:nvPr>
+            <p:ph type="dt" idx="12"/>
+          </p:nvPr>
+        </p:nvSpPr>
+        <p:spPr/>
+        <p:txBody>
+          <a:bodyPr/>
+          <a:lstStyle/>
+          <a:p>
+            <a:fld id="{55453810-472C-42CF-AE3E-3BF69C1C62DB}" type="datetime1">
+              <a:rPr lang="en-US" smtClean="0"/>
+              <a:t>10/25/2017</a:t>
+            </a:fld>
+            <a:endParaRPr lang="en-US" dirty="0"/>
+          </a:p>
+        </p:txBody>
+      </p:sp>
+      <p:sp>
+        <p:nvSpPr>
+          <p:cNvPr id="7" name="Slide Number Placeholder 6"/>
+          <p:cNvSpPr>
+            <a:spLocks noGrp="1"/>
+          </p:cNvSpPr>
+          <p:nvPr>
+            <p:ph type="sldNum" sz="quarter" idx="13"/>
+          </p:nvPr>
+        </p:nvSpPr>
+        <p:spPr/>
+        <p:txBody>
+          <a:bodyPr/>
+          <a:lstStyle/>
+          <a:p>
+            <a:fld id="{B4008EB6-D09E-4580-8CD6-DDB14511944F}" type="slidenum">
+              <a:rPr lang="en-US" smtClean="0"/>
+              <a:pPr/>
+              <a:t>10</a:t>
+            </a:fld>
+            <a:endParaRPr lang="en-US" dirty="0"/>
+          </a:p>
+        </p:txBody>
+      </p:sp>
+    </p:spTree>
+    <p:extLst>
+      <p:ext uri="{BB962C8B-B14F-4D97-AF65-F5344CB8AC3E}">
+        <p14:creationId xmlns:p14="http://schemas.microsoft.com/office/powerpoint/2010/main" val="565140405"/>
+      </p:ext>
+    </p:extLst>
+  </p:cSld>
+  <p:clrMapOvr>
+    <a:masterClrMapping/>
+  </p:clrMapOvr>
+</p:notes>
+</file>
+
+<file path=ppt/notesSlides/notesSlide11.xml><?xml version="1.0" encoding="utf-8"?>
+<p:notes xmlns:a="http://schemas.openxmlformats.org/drawingml/2006/main" xmlns:r="http://schemas.openxmlformats.org/officeDocument/2006/relationships" xmlns:p="http://schemas.openxmlformats.org/presentationml/2006/main">
+  <p:cSld>
+    <p:spTree>
+      <p:nvGrpSpPr>
+        <p:cNvPr id="1" name=""/>
+        <p:cNvGrpSpPr/>
+        <p:nvPr/>
+      </p:nvGrpSpPr>
+      <p:grpSpPr>
+        <a:xfrm>
+          <a:off x="0" y="0"/>
+          <a:ext cx="0" cy="0"/>
+          <a:chOff x="0" y="0"/>
+          <a:chExt cx="0" cy="0"/>
+        </a:xfrm>
+      </p:grpSpPr>
+      <p:sp>
+        <p:nvSpPr>
+          <p:cNvPr id="2" name="Slide Image Placeholder 1"/>
+          <p:cNvSpPr>
+            <a:spLocks noGrp="1" noRot="1" noChangeAspect="1"/>
+          </p:cNvSpPr>
+          <p:nvPr>
+            <p:ph type="sldImg"/>
+          </p:nvPr>
+        </p:nvSpPr>
+        <p:spPr/>
+      </p:sp>
+      <p:sp>
+        <p:nvSpPr>
+          <p:cNvPr id="3" name="Notes Placeholder 2"/>
+          <p:cNvSpPr>
+            <a:spLocks noGrp="1"/>
+          </p:cNvSpPr>
+          <p:nvPr>
+            <p:ph type="body" idx="1"/>
+          </p:nvPr>
+        </p:nvSpPr>
+        <p:spPr/>
+        <p:txBody>
+          <a:bodyPr/>
+          <a:lstStyle/>
+          <a:p>
+            <a:endParaRPr lang="en-US"/>
+          </a:p>
+        </p:txBody>
+      </p:sp>
+      <p:sp>
+        <p:nvSpPr>
+          <p:cNvPr id="4" name="Header Placeholder 3"/>
+          <p:cNvSpPr>
+            <a:spLocks noGrp="1"/>
+          </p:cNvSpPr>
+          <p:nvPr>
+            <p:ph type="hdr" sz="quarter" idx="10"/>
+          </p:nvPr>
+        </p:nvSpPr>
+        <p:spPr/>
+        <p:txBody>
+          <a:bodyPr/>
+          <a:lstStyle/>
+          <a:p>
+            <a:endParaRPr lang="en-US" dirty="0"/>
+          </a:p>
+        </p:txBody>
+      </p:sp>
+      <p:sp>
+        <p:nvSpPr>
+          <p:cNvPr id="5" name="Footer Placeholder 4"/>
+          <p:cNvSpPr>
+            <a:spLocks noGrp="1"/>
+          </p:cNvSpPr>
+          <p:nvPr>
+            <p:ph type="ftr" sz="quarter" idx="11"/>
+          </p:nvPr>
+        </p:nvSpPr>
+        <p:spPr/>
+        <p:txBody>
+          <a:bodyPr/>
+          <a:lstStyle/>
+          <a:p>
+            <a:pPr defTabSz="914099" eaLnBrk="0" hangingPunct="0"/>
+            <a:r>
+              <a:rPr lang="en-US" sz="400">
+                <a:gradFill>
+                  <a:gsLst>
+                    <a:gs pos="0">
+                      <a:prstClr val="black"/>
+                    </a:gs>
+                    <a:gs pos="100000">
+                      <a:prstClr val="black"/>
+                    </a:gs>
+                  </a:gsLst>
+                  <a:lin ang="5400000" scaled="0"/>
+                </a:gradFill>
+                <a:latin typeface="Segoe UI" pitchFamily="34" charset="0"/>
+                <a:ea typeface="Segoe UI" pitchFamily="34" charset="0"/>
+                <a:cs typeface="Segoe UI" pitchFamily="34" charset="0"/>
+              </a:rPr>
+              <a:t>© 2012 Microsoft Corporation. All rights reserved. Microsoft, Windows, and other product names are or may be registered trademarks and/or trademarks in the U.S. and/or other countries.</a:t>
+            </a:r>
+          </a:p>
+          <a:p>
+            <a:pPr defTabSz="914099" eaLnBrk="0" hangingPunct="0"/>
+            <a:r>
+              <a:rPr lang="en-US" sz="400">
+                <a:gradFill>
+                  <a:gsLst>
+                    <a:gs pos="0">
+                      <a:prstClr val="black"/>
+                    </a:gs>
+                    <a:gs pos="100000">
+                      <a:prstClr val="black"/>
+                    </a:gs>
+                  </a:gsLst>
+                  <a:lin ang="5400000" scaled="0"/>
+                </a:gradFill>
+                <a:latin typeface="Segoe UI" pitchFamily="34" charset="0"/>
+                <a:ea typeface="Segoe UI" pitchFamily="34" charset="0"/>
+                <a:cs typeface="Segoe UI" pitchFamily="34" charset="0"/>
+              </a:rPr>
+              <a:t>The information herein is for informational purposes only and represents the current view of Microsoft Corporation as of the date of this presentation.  Because Microsoft must respond to changing market conditions, it should not be interpreted to be a commitment on the part of Microsoft, and Microsoft cannot guarantee the accuracy of any information provided after the date of this presentation.  MICROSOFT MAKES NO WARRANTIES, EXPRESS, IMPLIED OR STATUTORY, AS TO THE INFORMATION IN THIS PRESENTATION.</a:t>
+            </a:r>
+            <a:endParaRPr lang="en-US" sz="400" dirty="0">
+              <a:gradFill>
+                <a:gsLst>
+                  <a:gs pos="0">
+                    <a:prstClr val="black"/>
+                  </a:gs>
+                  <a:gs pos="100000">
+                    <a:prstClr val="black"/>
+                  </a:gs>
+                </a:gsLst>
+                <a:lin ang="5400000" scaled="0"/>
+              </a:gradFill>
+              <a:latin typeface="Segoe UI" pitchFamily="34" charset="0"/>
+              <a:ea typeface="Segoe UI" pitchFamily="34" charset="0"/>
+              <a:cs typeface="Segoe UI" pitchFamily="34" charset="0"/>
+            </a:endParaRPr>
+          </a:p>
+        </p:txBody>
+      </p:sp>
+      <p:sp>
+        <p:nvSpPr>
+          <p:cNvPr id="6" name="Date Placeholder 5"/>
+          <p:cNvSpPr>
+            <a:spLocks noGrp="1"/>
+          </p:cNvSpPr>
+          <p:nvPr>
+            <p:ph type="dt" idx="12"/>
+          </p:nvPr>
+        </p:nvSpPr>
+        <p:spPr/>
+        <p:txBody>
+          <a:bodyPr/>
+          <a:lstStyle/>
+          <a:p>
+            <a:fld id="{64AB8291-FE64-4DF5-921A-94B0141816FD}" type="datetime1">
+              <a:rPr lang="en-US" smtClean="0"/>
+              <a:t>10/25/2017</a:t>
+            </a:fld>
+            <a:endParaRPr lang="en-US" dirty="0"/>
+          </a:p>
+        </p:txBody>
+      </p:sp>
+      <p:sp>
+        <p:nvSpPr>
+          <p:cNvPr id="7" name="Slide Number Placeholder 6"/>
+          <p:cNvSpPr>
+            <a:spLocks noGrp="1"/>
+          </p:cNvSpPr>
+          <p:nvPr>
+            <p:ph type="sldNum" sz="quarter" idx="13"/>
+          </p:nvPr>
+        </p:nvSpPr>
+        <p:spPr/>
+        <p:txBody>
+          <a:bodyPr/>
+          <a:lstStyle/>
+          <a:p>
+            <a:fld id="{B4008EB6-D09E-4580-8CD6-DDB14511944F}" type="slidenum">
+              <a:rPr lang="en-US" smtClean="0"/>
+              <a:pPr/>
+              <a:t>11</a:t>
+            </a:fld>
+            <a:endParaRPr lang="en-US" dirty="0"/>
+          </a:p>
+        </p:txBody>
+      </p:sp>
+    </p:spTree>
+    <p:extLst>
+      <p:ext uri="{BB962C8B-B14F-4D97-AF65-F5344CB8AC3E}">
+        <p14:creationId xmlns:p14="http://schemas.microsoft.com/office/powerpoint/2010/main" val="3746235948"/>
+      </p:ext>
+    </p:extLst>
+  </p:cSld>
+  <p:clrMapOvr>
+    <a:masterClrMapping/>
+  </p:clrMapOvr>
+</p:notes>
+</file>
+
+<file path=ppt/notesSlides/notesSlide12.xml><?xml version="1.0" encoding="utf-8"?>
+<p:notes xmlns:a="http://schemas.openxmlformats.org/drawingml/2006/main" xmlns:r="http://schemas.openxmlformats.org/officeDocument/2006/relationships" xmlns:p="http://schemas.openxmlformats.org/presentationml/2006/main">
+  <p:cSld>
+    <p:spTree>
+      <p:nvGrpSpPr>
+        <p:cNvPr id="1" name=""/>
+        <p:cNvGrpSpPr/>
+        <p:nvPr/>
+      </p:nvGrpSpPr>
+      <p:grpSpPr>
+        <a:xfrm>
+          <a:off x="0" y="0"/>
+          <a:ext cx="0" cy="0"/>
+          <a:chOff x="0" y="0"/>
+          <a:chExt cx="0" cy="0"/>
+        </a:xfrm>
+      </p:grpSpPr>
+      <p:sp>
+        <p:nvSpPr>
+          <p:cNvPr id="2" name="Slide Image Placeholder 1"/>
+          <p:cNvSpPr>
+            <a:spLocks noGrp="1" noRot="1" noChangeAspect="1"/>
+          </p:cNvSpPr>
+          <p:nvPr>
+            <p:ph type="sldImg"/>
+          </p:nvPr>
+        </p:nvSpPr>
+        <p:spPr/>
+      </p:sp>
+      <p:sp>
+        <p:nvSpPr>
+          <p:cNvPr id="3" name="Notes Placeholder 2"/>
+          <p:cNvSpPr>
+            <a:spLocks noGrp="1"/>
+          </p:cNvSpPr>
+          <p:nvPr>
+            <p:ph type="body" idx="1"/>
+          </p:nvPr>
+        </p:nvSpPr>
+        <p:spPr/>
+        <p:txBody>
+          <a:bodyPr/>
+          <a:lstStyle/>
+          <a:p>
+            <a:endParaRPr lang="en-US"/>
+          </a:p>
+        </p:txBody>
+      </p:sp>
+      <p:sp>
+        <p:nvSpPr>
+          <p:cNvPr id="4" name="Header Placeholder 3"/>
+          <p:cNvSpPr>
+            <a:spLocks noGrp="1"/>
+          </p:cNvSpPr>
+          <p:nvPr>
+            <p:ph type="hdr" sz="quarter" idx="10"/>
+          </p:nvPr>
+        </p:nvSpPr>
+        <p:spPr/>
+        <p:txBody>
+          <a:bodyPr/>
+          <a:lstStyle/>
+          <a:p>
+            <a:endParaRPr lang="en-US" dirty="0"/>
+          </a:p>
+        </p:txBody>
+      </p:sp>
+      <p:sp>
+        <p:nvSpPr>
+          <p:cNvPr id="5" name="Footer Placeholder 4"/>
+          <p:cNvSpPr>
+            <a:spLocks noGrp="1"/>
+          </p:cNvSpPr>
+          <p:nvPr>
+            <p:ph type="ftr" sz="quarter" idx="11"/>
+          </p:nvPr>
+        </p:nvSpPr>
+        <p:spPr/>
+        <p:txBody>
+          <a:bodyPr/>
+          <a:lstStyle/>
+          <a:p>
+            <a:pPr defTabSz="914099" eaLnBrk="0" hangingPunct="0"/>
+            <a:r>
+              <a:rPr lang="en-US" sz="400">
+                <a:gradFill>
+                  <a:gsLst>
+                    <a:gs pos="0">
+                      <a:prstClr val="black"/>
+                    </a:gs>
+                    <a:gs pos="100000">
+                      <a:prstClr val="black"/>
+                    </a:gs>
+                  </a:gsLst>
+                  <a:lin ang="5400000" scaled="0"/>
+                </a:gradFill>
+                <a:latin typeface="Segoe UI" pitchFamily="34" charset="0"/>
+                <a:ea typeface="Segoe UI" pitchFamily="34" charset="0"/>
+                <a:cs typeface="Segoe UI" pitchFamily="34" charset="0"/>
+              </a:rPr>
+              <a:t>© 2012 Microsoft Corporation. All rights reserved. Microsoft, Windows, and other product names are or may be registered trademarks and/or trademarks in the U.S. and/or other countries.</a:t>
+            </a:r>
+          </a:p>
+          <a:p>
+            <a:pPr defTabSz="914099" eaLnBrk="0" hangingPunct="0"/>
+            <a:r>
+              <a:rPr lang="en-US" sz="400">
+                <a:gradFill>
+                  <a:gsLst>
+                    <a:gs pos="0">
+                      <a:prstClr val="black"/>
+                    </a:gs>
+                    <a:gs pos="100000">
+                      <a:prstClr val="black"/>
+                    </a:gs>
+                  </a:gsLst>
+                  <a:lin ang="5400000" scaled="0"/>
+                </a:gradFill>
+                <a:latin typeface="Segoe UI" pitchFamily="34" charset="0"/>
+                <a:ea typeface="Segoe UI" pitchFamily="34" charset="0"/>
+                <a:cs typeface="Segoe UI" pitchFamily="34" charset="0"/>
+              </a:rPr>
+              <a:t>The information herein is for informational purposes only and represents the current view of Microsoft Corporation as of the date of this presentation.  Because Microsoft must respond to changing market conditions, it should not be interpreted to be a commitment on the part of Microsoft, and Microsoft cannot guarantee the accuracy of any information provided after the date of this presentation.  MICROSOFT MAKES NO WARRANTIES, EXPRESS, IMPLIED OR STATUTORY, AS TO THE INFORMATION IN THIS PRESENTATION.</a:t>
+            </a:r>
+            <a:endParaRPr lang="en-US" sz="400" dirty="0">
+              <a:gradFill>
+                <a:gsLst>
+                  <a:gs pos="0">
+                    <a:prstClr val="black"/>
+                  </a:gs>
+                  <a:gs pos="100000">
+                    <a:prstClr val="black"/>
+                  </a:gs>
+                </a:gsLst>
+                <a:lin ang="5400000" scaled="0"/>
+              </a:gradFill>
+              <a:latin typeface="Segoe UI" pitchFamily="34" charset="0"/>
+              <a:ea typeface="Segoe UI" pitchFamily="34" charset="0"/>
+              <a:cs typeface="Segoe UI" pitchFamily="34" charset="0"/>
+            </a:endParaRPr>
+          </a:p>
+        </p:txBody>
+      </p:sp>
+      <p:sp>
+        <p:nvSpPr>
+          <p:cNvPr id="6" name="Date Placeholder 5"/>
+          <p:cNvSpPr>
+            <a:spLocks noGrp="1"/>
+          </p:cNvSpPr>
+          <p:nvPr>
+            <p:ph type="dt" idx="12"/>
+          </p:nvPr>
+        </p:nvSpPr>
+        <p:spPr/>
+        <p:txBody>
+          <a:bodyPr/>
+          <a:lstStyle/>
+          <a:p>
+            <a:fld id="{339AAF01-CA53-46B1-A55B-12DC1AE0925A}" type="datetime1">
+              <a:rPr lang="en-US" smtClean="0"/>
+              <a:t>10/25/2017</a:t>
+            </a:fld>
+            <a:endParaRPr lang="en-US" dirty="0"/>
+          </a:p>
+        </p:txBody>
+      </p:sp>
+      <p:sp>
+        <p:nvSpPr>
+          <p:cNvPr id="7" name="Slide Number Placeholder 6"/>
+          <p:cNvSpPr>
+            <a:spLocks noGrp="1"/>
+          </p:cNvSpPr>
+          <p:nvPr>
+            <p:ph type="sldNum" sz="quarter" idx="13"/>
+          </p:nvPr>
+        </p:nvSpPr>
+        <p:spPr/>
+        <p:txBody>
+          <a:bodyPr/>
+          <a:lstStyle/>
+          <a:p>
+            <a:fld id="{B4008EB6-D09E-4580-8CD6-DDB14511944F}" type="slidenum">
+              <a:rPr lang="en-US" smtClean="0"/>
+              <a:pPr/>
+              <a:t>12</a:t>
+            </a:fld>
+            <a:endParaRPr lang="en-US" dirty="0"/>
+          </a:p>
+        </p:txBody>
+      </p:sp>
+    </p:spTree>
+    <p:extLst>
+      <p:ext uri="{BB962C8B-B14F-4D97-AF65-F5344CB8AC3E}">
+        <p14:creationId xmlns:p14="http://schemas.microsoft.com/office/powerpoint/2010/main" val="3045411834"/>
+      </p:ext>
+    </p:extLst>
+  </p:cSld>
+  <p:clrMapOvr>
+    <a:masterClrMapping/>
+  </p:clrMapOvr>
+</p:notes>
+</file>
+
+<file path=ppt/notesSlides/notesSlide2.xml><?xml version="1.0" encoding="utf-8"?>
+<p:notes xmlns:a="http://schemas.openxmlformats.org/drawingml/2006/main" xmlns:r="http://schemas.openxmlformats.org/officeDocument/2006/relationships" xmlns:p="http://schemas.openxmlformats.org/presentationml/2006/main">
+  <p:cSld>
+    <p:spTree>
+      <p:nvGrpSpPr>
+        <p:cNvPr id="1" name=""/>
+        <p:cNvGrpSpPr/>
+        <p:nvPr/>
+      </p:nvGrpSpPr>
+      <p:grpSpPr>
+        <a:xfrm>
+          <a:off x="0" y="0"/>
+          <a:ext cx="0" cy="0"/>
+          <a:chOff x="0" y="0"/>
+          <a:chExt cx="0" cy="0"/>
+        </a:xfrm>
+      </p:grpSpPr>
+      <p:sp>
+        <p:nvSpPr>
+          <p:cNvPr id="2" name="Slide Image Placeholder 1"/>
+          <p:cNvSpPr>
+            <a:spLocks noGrp="1" noRot="1" noChangeAspect="1"/>
+          </p:cNvSpPr>
+          <p:nvPr>
+            <p:ph type="sldImg"/>
+          </p:nvPr>
+        </p:nvSpPr>
+        <p:spPr/>
+      </p:sp>
+      <p:sp>
+        <p:nvSpPr>
+          <p:cNvPr id="3" name="Notes Placeholder 2"/>
+          <p:cNvSpPr>
+            <a:spLocks noGrp="1"/>
+          </p:cNvSpPr>
+          <p:nvPr>
+            <p:ph type="body" idx="1"/>
+          </p:nvPr>
+        </p:nvSpPr>
+        <p:spPr/>
+        <p:txBody>
+          <a:bodyPr/>
+          <a:lstStyle/>
+          <a:p>
+            <a:endParaRPr lang="en-US"/>
+          </a:p>
+        </p:txBody>
+      </p:sp>
+      <p:sp>
+        <p:nvSpPr>
+          <p:cNvPr id="4" name="Header Placeholder 3"/>
+          <p:cNvSpPr>
+            <a:spLocks noGrp="1"/>
+          </p:cNvSpPr>
+          <p:nvPr>
+            <p:ph type="hdr" sz="quarter" idx="10"/>
+          </p:nvPr>
+        </p:nvSpPr>
+        <p:spPr/>
+        <p:txBody>
+          <a:bodyPr/>
+          <a:lstStyle/>
+          <a:p>
+            <a:endParaRPr lang="en-US" dirty="0"/>
+          </a:p>
+        </p:txBody>
+      </p:sp>
+      <p:sp>
+        <p:nvSpPr>
+          <p:cNvPr id="5" name="Footer Placeholder 4"/>
+          <p:cNvSpPr>
+            <a:spLocks noGrp="1"/>
+          </p:cNvSpPr>
+          <p:nvPr>
+            <p:ph type="ftr" sz="quarter" idx="11"/>
+          </p:nvPr>
+        </p:nvSpPr>
+        <p:spPr/>
+        <p:txBody>
+          <a:bodyPr/>
+          <a:lstStyle/>
+          <a:p>
+            <a:pPr defTabSz="914099" eaLnBrk="0" hangingPunct="0"/>
+            <a:r>
+              <a:rPr lang="en-US" sz="400">
+                <a:gradFill>
+                  <a:gsLst>
+                    <a:gs pos="0">
+                      <a:prstClr val="black"/>
+                    </a:gs>
+                    <a:gs pos="100000">
+                      <a:prstClr val="black"/>
+                    </a:gs>
+                  </a:gsLst>
+                  <a:lin ang="5400000" scaled="0"/>
+                </a:gradFill>
+                <a:latin typeface="Segoe UI" pitchFamily="34" charset="0"/>
+                <a:ea typeface="Segoe UI" pitchFamily="34" charset="0"/>
+                <a:cs typeface="Segoe UI" pitchFamily="34" charset="0"/>
+              </a:rPr>
+              <a:t>© 2012 Microsoft Corporation. All rights reserved. Microsoft, Windows, and other product names are or may be registered trademarks and/or trademarks in the U.S. and/or other countries.</a:t>
+            </a:r>
+          </a:p>
+          <a:p>
+            <a:pPr defTabSz="914099" eaLnBrk="0" hangingPunct="0"/>
+            <a:r>
+              <a:rPr lang="en-US" sz="400">
+                <a:gradFill>
+                  <a:gsLst>
+                    <a:gs pos="0">
+                      <a:prstClr val="black"/>
+                    </a:gs>
+                    <a:gs pos="100000">
+                      <a:prstClr val="black"/>
+                    </a:gs>
+                  </a:gsLst>
+                  <a:lin ang="5400000" scaled="0"/>
+                </a:gradFill>
+                <a:latin typeface="Segoe UI" pitchFamily="34" charset="0"/>
+                <a:ea typeface="Segoe UI" pitchFamily="34" charset="0"/>
+                <a:cs typeface="Segoe UI" pitchFamily="34" charset="0"/>
+              </a:rPr>
+              <a:t>The information herein is for informational purposes only and represents the current view of Microsoft Corporation as of the date of this presentation.  Because Microsoft must respond to changing market conditions, it should not be interpreted to be a commitment on the part of Microsoft, and Microsoft cannot guarantee the accuracy of any information provided after the date of this presentation.  MICROSOFT MAKES NO WARRANTIES, EXPRESS, IMPLIED OR STATUTORY, AS TO THE INFORMATION IN THIS PRESENTATION.</a:t>
+            </a:r>
+            <a:endParaRPr lang="en-US" sz="400" dirty="0">
+              <a:gradFill>
+                <a:gsLst>
+                  <a:gs pos="0">
+                    <a:prstClr val="black"/>
+                  </a:gs>
+                  <a:gs pos="100000">
+                    <a:prstClr val="black"/>
+                  </a:gs>
+                </a:gsLst>
+                <a:lin ang="5400000" scaled="0"/>
+              </a:gradFill>
+              <a:latin typeface="Segoe UI" pitchFamily="34" charset="0"/>
+              <a:ea typeface="Segoe UI" pitchFamily="34" charset="0"/>
+              <a:cs typeface="Segoe UI" pitchFamily="34" charset="0"/>
+            </a:endParaRPr>
+          </a:p>
+        </p:txBody>
+      </p:sp>
+      <p:sp>
+        <p:nvSpPr>
+          <p:cNvPr id="6" name="Date Placeholder 5"/>
+          <p:cNvSpPr>
+            <a:spLocks noGrp="1"/>
+          </p:cNvSpPr>
+          <p:nvPr>
+            <p:ph type="dt" idx="12"/>
+          </p:nvPr>
+        </p:nvSpPr>
+        <p:spPr/>
+        <p:txBody>
+          <a:bodyPr/>
+          <a:lstStyle/>
+          <a:p>
+            <a:fld id="{EA302EF4-6767-487E-913A-D6923C22B2D7}" type="datetime1">
+              <a:rPr lang="en-US" smtClean="0"/>
+              <a:t>10/25/2017</a:t>
+            </a:fld>
+            <a:endParaRPr lang="en-US" dirty="0"/>
+          </a:p>
+        </p:txBody>
+      </p:sp>
+      <p:sp>
+        <p:nvSpPr>
+          <p:cNvPr id="7" name="Slide Number Placeholder 6"/>
+          <p:cNvSpPr>
+            <a:spLocks noGrp="1"/>
+          </p:cNvSpPr>
+          <p:nvPr>
+            <p:ph type="sldNum" sz="quarter" idx="13"/>
+          </p:nvPr>
+        </p:nvSpPr>
+        <p:spPr/>
+        <p:txBody>
+          <a:bodyPr/>
+          <a:lstStyle/>
+          <a:p>
+            <a:fld id="{B4008EB6-D09E-4580-8CD6-DDB14511944F}" type="slidenum">
+              <a:rPr lang="en-US" smtClean="0"/>
+              <a:pPr/>
+              <a:t>2</a:t>
+            </a:fld>
+            <a:endParaRPr lang="en-US" dirty="0"/>
+          </a:p>
+        </p:txBody>
+      </p:sp>
+    </p:spTree>
+    <p:extLst>
+      <p:ext uri="{BB962C8B-B14F-4D97-AF65-F5344CB8AC3E}">
+        <p14:creationId xmlns:p14="http://schemas.microsoft.com/office/powerpoint/2010/main" val="346753315"/>
+      </p:ext>
+    </p:extLst>
+  </p:cSld>
+  <p:clrMapOvr>
+    <a:masterClrMapping/>
+  </p:clrMapOvr>
+</p:notes>
+</file>
+
+<file path=ppt/notesSlides/notesSlide3.xml><?xml version="1.0" encoding="utf-8"?>
+<p:notes xmlns:a="http://schemas.openxmlformats.org/drawingml/2006/main" xmlns:r="http://schemas.openxmlformats.org/officeDocument/2006/relationships" xmlns:p="http://schemas.openxmlformats.org/presentationml/2006/main">
+  <p:cSld>
+    <p:spTree>
+      <p:nvGrpSpPr>
+        <p:cNvPr id="1" name=""/>
+        <p:cNvGrpSpPr/>
+        <p:nvPr/>
+      </p:nvGrpSpPr>
+      <p:grpSpPr>
+        <a:xfrm>
+          <a:off x="0" y="0"/>
+          <a:ext cx="0" cy="0"/>
+          <a:chOff x="0" y="0"/>
+          <a:chExt cx="0" cy="0"/>
+        </a:xfrm>
+      </p:grpSpPr>
+      <p:sp>
+        <p:nvSpPr>
+          <p:cNvPr id="2" name="Slide Image Placeholder 1"/>
+          <p:cNvSpPr>
+            <a:spLocks noGrp="1" noRot="1" noChangeAspect="1"/>
+          </p:cNvSpPr>
+          <p:nvPr>
+            <p:ph type="sldImg"/>
+          </p:nvPr>
+        </p:nvSpPr>
+        <p:spPr/>
+      </p:sp>
+      <p:sp>
+        <p:nvSpPr>
+          <p:cNvPr id="3" name="Notes Placeholder 2"/>
+          <p:cNvSpPr>
+            <a:spLocks noGrp="1"/>
+          </p:cNvSpPr>
+          <p:nvPr>
+            <p:ph type="body" idx="1"/>
+          </p:nvPr>
+        </p:nvSpPr>
+        <p:spPr/>
+        <p:txBody>
+          <a:bodyPr/>
+          <a:lstStyle/>
+          <a:p>
+            <a:endParaRPr lang="en-US"/>
+          </a:p>
+        </p:txBody>
+      </p:sp>
+      <p:sp>
+        <p:nvSpPr>
+          <p:cNvPr id="4" name="Header Placeholder 3"/>
+          <p:cNvSpPr>
+            <a:spLocks noGrp="1"/>
+          </p:cNvSpPr>
+          <p:nvPr>
+            <p:ph type="hdr" sz="quarter" idx="10"/>
+          </p:nvPr>
+        </p:nvSpPr>
+        <p:spPr/>
+        <p:txBody>
+          <a:bodyPr/>
+          <a:lstStyle/>
+          <a:p>
+            <a:endParaRPr lang="en-US" dirty="0"/>
+          </a:p>
+        </p:txBody>
+      </p:sp>
+      <p:sp>
+        <p:nvSpPr>
+          <p:cNvPr id="5" name="Footer Placeholder 4"/>
+          <p:cNvSpPr>
+            <a:spLocks noGrp="1"/>
+          </p:cNvSpPr>
+          <p:nvPr>
+            <p:ph type="ftr" sz="quarter" idx="11"/>
+          </p:nvPr>
+        </p:nvSpPr>
+        <p:spPr/>
+        <p:txBody>
+          <a:bodyPr/>
+          <a:lstStyle/>
+          <a:p>
+            <a:pPr defTabSz="914099" eaLnBrk="0" hangingPunct="0"/>
+            <a:r>
+              <a:rPr lang="en-US" sz="400">
+                <a:gradFill>
+                  <a:gsLst>
+                    <a:gs pos="0">
+                      <a:prstClr val="black"/>
+                    </a:gs>
+                    <a:gs pos="100000">
+                      <a:prstClr val="black"/>
+                    </a:gs>
+                  </a:gsLst>
+                  <a:lin ang="5400000" scaled="0"/>
+                </a:gradFill>
+                <a:latin typeface="Segoe UI" pitchFamily="34" charset="0"/>
+                <a:ea typeface="Segoe UI" pitchFamily="34" charset="0"/>
+                <a:cs typeface="Segoe UI" pitchFamily="34" charset="0"/>
+              </a:rPr>
+              <a:t>© 2012 Microsoft Corporation. All rights reserved. Microsoft, Windows, and other product names are or may be registered trademarks and/or trademarks in the U.S. and/or other countries.</a:t>
+            </a:r>
+          </a:p>
+          <a:p>
+            <a:pPr defTabSz="914099" eaLnBrk="0" hangingPunct="0"/>
+            <a:r>
+              <a:rPr lang="en-US" sz="400">
+                <a:gradFill>
+                  <a:gsLst>
+                    <a:gs pos="0">
+                      <a:prstClr val="black"/>
+                    </a:gs>
+                    <a:gs pos="100000">
+                      <a:prstClr val="black"/>
+                    </a:gs>
+                  </a:gsLst>
+                  <a:lin ang="5400000" scaled="0"/>
+                </a:gradFill>
+                <a:latin typeface="Segoe UI" pitchFamily="34" charset="0"/>
+                <a:ea typeface="Segoe UI" pitchFamily="34" charset="0"/>
+                <a:cs typeface="Segoe UI" pitchFamily="34" charset="0"/>
+              </a:rPr>
+              <a:t>The information herein is for informational purposes only and represents the current view of Microsoft Corporation as of the date of this presentation.  Because Microsoft must respond to changing market conditions, it should not be interpreted to be a commitment on the part of Microsoft, and Microsoft cannot guarantee the accuracy of any information provided after the date of this presentation.  MICROSOFT MAKES NO WARRANTIES, EXPRESS, IMPLIED OR STATUTORY, AS TO THE INFORMATION IN THIS PRESENTATION.</a:t>
+            </a:r>
+            <a:endParaRPr lang="en-US" sz="400" dirty="0">
+              <a:gradFill>
+                <a:gsLst>
+                  <a:gs pos="0">
+                    <a:prstClr val="black"/>
+                  </a:gs>
+                  <a:gs pos="100000">
+                    <a:prstClr val="black"/>
+                  </a:gs>
+                </a:gsLst>
+                <a:lin ang="5400000" scaled="0"/>
+              </a:gradFill>
+              <a:latin typeface="Segoe UI" pitchFamily="34" charset="0"/>
+              <a:ea typeface="Segoe UI" pitchFamily="34" charset="0"/>
+              <a:cs typeface="Segoe UI" pitchFamily="34" charset="0"/>
+            </a:endParaRPr>
+          </a:p>
+        </p:txBody>
+      </p:sp>
+      <p:sp>
+        <p:nvSpPr>
+          <p:cNvPr id="6" name="Date Placeholder 5"/>
+          <p:cNvSpPr>
+            <a:spLocks noGrp="1"/>
+          </p:cNvSpPr>
+          <p:nvPr>
+            <p:ph type="dt" idx="12"/>
+          </p:nvPr>
+        </p:nvSpPr>
+        <p:spPr/>
+        <p:txBody>
+          <a:bodyPr/>
+          <a:lstStyle/>
+          <a:p>
+            <a:fld id="{A7F99C89-5434-4B8C-A798-BD5231F1A163}" type="datetime1">
+              <a:rPr lang="en-US" smtClean="0"/>
+              <a:t>10/25/2017</a:t>
+            </a:fld>
+            <a:endParaRPr lang="en-US" dirty="0"/>
+          </a:p>
+        </p:txBody>
+      </p:sp>
+      <p:sp>
+        <p:nvSpPr>
+          <p:cNvPr id="7" name="Slide Number Placeholder 6"/>
+          <p:cNvSpPr>
+            <a:spLocks noGrp="1"/>
+          </p:cNvSpPr>
+          <p:nvPr>
+            <p:ph type="sldNum" sz="quarter" idx="13"/>
+          </p:nvPr>
+        </p:nvSpPr>
+        <p:spPr/>
+        <p:txBody>
+          <a:bodyPr/>
+          <a:lstStyle/>
+          <a:p>
+            <a:fld id="{B4008EB6-D09E-4580-8CD6-DDB14511944F}" type="slidenum">
+              <a:rPr lang="en-US" smtClean="0"/>
+              <a:pPr/>
+              <a:t>3</a:t>
+            </a:fld>
+            <a:endParaRPr lang="en-US" dirty="0"/>
+          </a:p>
+        </p:txBody>
+      </p:sp>
+    </p:spTree>
+    <p:extLst>
+      <p:ext uri="{BB962C8B-B14F-4D97-AF65-F5344CB8AC3E}">
+        <p14:creationId xmlns:p14="http://schemas.microsoft.com/office/powerpoint/2010/main" val="2724402898"/>
+      </p:ext>
+    </p:extLst>
+  </p:cSld>
+  <p:clrMapOvr>
+    <a:masterClrMapping/>
+  </p:clrMapOvr>
+</p:notes>
+</file>
+
+<file path=ppt/notesSlides/notesSlide4.xml><?xml version="1.0" encoding="utf-8"?>
+<p:notes xmlns:a="http://schemas.openxmlformats.org/drawingml/2006/main" xmlns:r="http://schemas.openxmlformats.org/officeDocument/2006/relationships" xmlns:p="http://schemas.openxmlformats.org/presentationml/2006/main">
+  <p:cSld>
+    <p:spTree>
+      <p:nvGrpSpPr>
+        <p:cNvPr id="1" name=""/>
+        <p:cNvGrpSpPr/>
+        <p:nvPr/>
+      </p:nvGrpSpPr>
+      <p:grpSpPr>
+        <a:xfrm>
+          <a:off x="0" y="0"/>
+          <a:ext cx="0" cy="0"/>
+          <a:chOff x="0" y="0"/>
+          <a:chExt cx="0" cy="0"/>
+        </a:xfrm>
+      </p:grpSpPr>
+      <p:sp>
+        <p:nvSpPr>
+          <p:cNvPr id="2" name="Slide Image Placeholder 1"/>
+          <p:cNvSpPr>
+            <a:spLocks noGrp="1" noRot="1" noChangeAspect="1"/>
+          </p:cNvSpPr>
+          <p:nvPr>
+            <p:ph type="sldImg"/>
+          </p:nvPr>
+        </p:nvSpPr>
+        <p:spPr/>
+      </p:sp>
+      <p:sp>
+        <p:nvSpPr>
+          <p:cNvPr id="3" name="Notes Placeholder 2"/>
+          <p:cNvSpPr>
+            <a:spLocks noGrp="1"/>
+          </p:cNvSpPr>
+          <p:nvPr>
+            <p:ph type="body" idx="1"/>
+          </p:nvPr>
+        </p:nvSpPr>
+        <p:spPr/>
+        <p:txBody>
+          <a:bodyPr/>
+          <a:lstStyle/>
+          <a:p>
+            <a:endParaRPr lang="en-US"/>
+          </a:p>
+        </p:txBody>
+      </p:sp>
+      <p:sp>
+        <p:nvSpPr>
+          <p:cNvPr id="4" name="Header Placeholder 3"/>
+          <p:cNvSpPr>
+            <a:spLocks noGrp="1"/>
+          </p:cNvSpPr>
+          <p:nvPr>
+            <p:ph type="hdr" sz="quarter" idx="10"/>
+          </p:nvPr>
+        </p:nvSpPr>
+        <p:spPr/>
+        <p:txBody>
+          <a:bodyPr/>
+          <a:lstStyle/>
+          <a:p>
+            <a:endParaRPr lang="en-US" dirty="0"/>
+          </a:p>
+        </p:txBody>
+      </p:sp>
+      <p:sp>
+        <p:nvSpPr>
+          <p:cNvPr id="5" name="Footer Placeholder 4"/>
+          <p:cNvSpPr>
+            <a:spLocks noGrp="1"/>
+          </p:cNvSpPr>
+          <p:nvPr>
+            <p:ph type="ftr" sz="quarter" idx="11"/>
+          </p:nvPr>
+        </p:nvSpPr>
+        <p:spPr/>
+        <p:txBody>
+          <a:bodyPr/>
+          <a:lstStyle/>
+          <a:p>
+            <a:pPr defTabSz="914099" eaLnBrk="0" hangingPunct="0"/>
+            <a:r>
+              <a:rPr lang="en-US" sz="400">
+                <a:gradFill>
+                  <a:gsLst>
+                    <a:gs pos="0">
+                      <a:prstClr val="black"/>
+                    </a:gs>
+                    <a:gs pos="100000">
+                      <a:prstClr val="black"/>
+                    </a:gs>
+                  </a:gsLst>
+                  <a:lin ang="5400000" scaled="0"/>
+                </a:gradFill>
+                <a:latin typeface="Segoe UI" pitchFamily="34" charset="0"/>
+                <a:ea typeface="Segoe UI" pitchFamily="34" charset="0"/>
+                <a:cs typeface="Segoe UI" pitchFamily="34" charset="0"/>
+              </a:rPr>
+              <a:t>© 2012 Microsoft Corporation. All rights reserved. Microsoft, Windows, and other product names are or may be registered trademarks and/or trademarks in the U.S. and/or other countries.</a:t>
+            </a:r>
+          </a:p>
+          <a:p>
+            <a:pPr defTabSz="914099" eaLnBrk="0" hangingPunct="0"/>
+            <a:r>
+              <a:rPr lang="en-US" sz="400">
+                <a:gradFill>
+                  <a:gsLst>
+                    <a:gs pos="0">
+                      <a:prstClr val="black"/>
+                    </a:gs>
+                    <a:gs pos="100000">
+                      <a:prstClr val="black"/>
+                    </a:gs>
+                  </a:gsLst>
+                  <a:lin ang="5400000" scaled="0"/>
+                </a:gradFill>
+                <a:latin typeface="Segoe UI" pitchFamily="34" charset="0"/>
+                <a:ea typeface="Segoe UI" pitchFamily="34" charset="0"/>
+                <a:cs typeface="Segoe UI" pitchFamily="34" charset="0"/>
+              </a:rPr>
+              <a:t>The information herein is for informational purposes only and represents the current view of Microsoft Corporation as of the date of this presentation.  Because Microsoft must respond to changing market conditions, it should not be interpreted to be a commitment on the part of Microsoft, and Microsoft cannot guarantee the accuracy of any information provided after the date of this presentation.  MICROSOFT MAKES NO WARRANTIES, EXPRESS, IMPLIED OR STATUTORY, AS TO THE INFORMATION IN THIS PRESENTATION.</a:t>
+            </a:r>
+            <a:endParaRPr lang="en-US" sz="400" dirty="0">
+              <a:gradFill>
+                <a:gsLst>
+                  <a:gs pos="0">
+                    <a:prstClr val="black"/>
+                  </a:gs>
+                  <a:gs pos="100000">
+                    <a:prstClr val="black"/>
+                  </a:gs>
+                </a:gsLst>
+                <a:lin ang="5400000" scaled="0"/>
+              </a:gradFill>
+              <a:latin typeface="Segoe UI" pitchFamily="34" charset="0"/>
+              <a:ea typeface="Segoe UI" pitchFamily="34" charset="0"/>
+              <a:cs typeface="Segoe UI" pitchFamily="34" charset="0"/>
+            </a:endParaRPr>
+          </a:p>
+        </p:txBody>
+      </p:sp>
+      <p:sp>
+        <p:nvSpPr>
+          <p:cNvPr id="6" name="Date Placeholder 5"/>
+          <p:cNvSpPr>
+            <a:spLocks noGrp="1"/>
+          </p:cNvSpPr>
+          <p:nvPr>
+            <p:ph type="dt" idx="12"/>
+          </p:nvPr>
+        </p:nvSpPr>
+        <p:spPr/>
+        <p:txBody>
+          <a:bodyPr/>
+          <a:lstStyle/>
+          <a:p>
+            <a:fld id="{C9A60A59-D504-4831-A7E6-C93659C78A54}" type="datetime1">
+              <a:rPr lang="en-US" smtClean="0"/>
+              <a:t>10/25/2017</a:t>
+            </a:fld>
+            <a:endParaRPr lang="en-US" dirty="0"/>
+          </a:p>
+        </p:txBody>
+      </p:sp>
+      <p:sp>
+        <p:nvSpPr>
+          <p:cNvPr id="7" name="Slide Number Placeholder 6"/>
+          <p:cNvSpPr>
+            <a:spLocks noGrp="1"/>
+          </p:cNvSpPr>
+          <p:nvPr>
+            <p:ph type="sldNum" sz="quarter" idx="13"/>
+          </p:nvPr>
+        </p:nvSpPr>
+        <p:spPr/>
+        <p:txBody>
+          <a:bodyPr/>
+          <a:lstStyle/>
+          <a:p>
+            <a:fld id="{B4008EB6-D09E-4580-8CD6-DDB14511944F}" type="slidenum">
+              <a:rPr lang="en-US" smtClean="0"/>
+              <a:pPr/>
+              <a:t>4</a:t>
+            </a:fld>
+            <a:endParaRPr lang="en-US" dirty="0"/>
+          </a:p>
+        </p:txBody>
+      </p:sp>
+    </p:spTree>
+    <p:extLst>
+      <p:ext uri="{BB962C8B-B14F-4D97-AF65-F5344CB8AC3E}">
+        <p14:creationId xmlns:p14="http://schemas.microsoft.com/office/powerpoint/2010/main" val="25866838"/>
+      </p:ext>
+    </p:extLst>
+  </p:cSld>
+  <p:clrMapOvr>
+    <a:masterClrMapping/>
+  </p:clrMapOvr>
+</p:notes>
+</file>
+
+<file path=ppt/notesSlides/notesSlide5.xml><?xml version="1.0" encoding="utf-8"?>
+<p:notes xmlns:a="http://schemas.openxmlformats.org/drawingml/2006/main" xmlns:r="http://schemas.openxmlformats.org/officeDocument/2006/relationships" xmlns:p="http://schemas.openxmlformats.org/presentationml/2006/main">
+  <p:cSld>
+    <p:spTree>
+      <p:nvGrpSpPr>
+        <p:cNvPr id="1" name=""/>
+        <p:cNvGrpSpPr/>
+        <p:nvPr/>
+      </p:nvGrpSpPr>
+      <p:grpSpPr>
+        <a:xfrm>
+          <a:off x="0" y="0"/>
+          <a:ext cx="0" cy="0"/>
+          <a:chOff x="0" y="0"/>
+          <a:chExt cx="0" cy="0"/>
+        </a:xfrm>
+      </p:grpSpPr>
+      <p:sp>
+        <p:nvSpPr>
+          <p:cNvPr id="2" name="Slide Image Placeholder 1"/>
+          <p:cNvSpPr>
+            <a:spLocks noGrp="1" noRot="1" noChangeAspect="1"/>
+          </p:cNvSpPr>
+          <p:nvPr>
+            <p:ph type="sldImg"/>
+          </p:nvPr>
+        </p:nvSpPr>
+        <p:spPr/>
+      </p:sp>
+      <p:sp>
+        <p:nvSpPr>
+          <p:cNvPr id="3" name="Notes Placeholder 2"/>
+          <p:cNvSpPr>
+            <a:spLocks noGrp="1"/>
+          </p:cNvSpPr>
+          <p:nvPr>
+            <p:ph type="body" idx="1"/>
+          </p:nvPr>
+        </p:nvSpPr>
+        <p:spPr/>
+        <p:txBody>
+          <a:bodyPr/>
+          <a:lstStyle/>
+          <a:p>
+            <a:endParaRPr lang="en-US"/>
+          </a:p>
+        </p:txBody>
+      </p:sp>
+      <p:sp>
+        <p:nvSpPr>
+          <p:cNvPr id="4" name="Header Placeholder 3"/>
+          <p:cNvSpPr>
+            <a:spLocks noGrp="1"/>
+          </p:cNvSpPr>
+          <p:nvPr>
+            <p:ph type="hdr" sz="quarter" idx="10"/>
+          </p:nvPr>
+        </p:nvSpPr>
+        <p:spPr/>
+        <p:txBody>
+          <a:bodyPr/>
+          <a:lstStyle/>
+          <a:p>
+            <a:endParaRPr lang="en-US" dirty="0"/>
+          </a:p>
+        </p:txBody>
+      </p:sp>
+      <p:sp>
+        <p:nvSpPr>
+          <p:cNvPr id="5" name="Footer Placeholder 4"/>
+          <p:cNvSpPr>
+            <a:spLocks noGrp="1"/>
+          </p:cNvSpPr>
+          <p:nvPr>
+            <p:ph type="ftr" sz="quarter" idx="11"/>
+          </p:nvPr>
+        </p:nvSpPr>
+        <p:spPr/>
+        <p:txBody>
+          <a:bodyPr/>
+          <a:lstStyle/>
+          <a:p>
+            <a:pPr defTabSz="914099" eaLnBrk="0" hangingPunct="0"/>
+            <a:r>
+              <a:rPr lang="en-US" sz="400">
+                <a:gradFill>
+                  <a:gsLst>
+                    <a:gs pos="0">
+                      <a:prstClr val="black"/>
+                    </a:gs>
+                    <a:gs pos="100000">
+                      <a:prstClr val="black"/>
+                    </a:gs>
+                  </a:gsLst>
+                  <a:lin ang="5400000" scaled="0"/>
+                </a:gradFill>
+                <a:latin typeface="Segoe UI" pitchFamily="34" charset="0"/>
+                <a:ea typeface="Segoe UI" pitchFamily="34" charset="0"/>
+                <a:cs typeface="Segoe UI" pitchFamily="34" charset="0"/>
+              </a:rPr>
+              <a:t>© 2012 Microsoft Corporation. All rights reserved. Microsoft, Windows, and other product names are or may be registered trademarks and/or trademarks in the U.S. and/or other countries.</a:t>
+            </a:r>
+          </a:p>
+          <a:p>
+            <a:pPr defTabSz="914099" eaLnBrk="0" hangingPunct="0"/>
+            <a:r>
+              <a:rPr lang="en-US" sz="400">
+                <a:gradFill>
+                  <a:gsLst>
+                    <a:gs pos="0">
+                      <a:prstClr val="black"/>
+                    </a:gs>
+                    <a:gs pos="100000">
+                      <a:prstClr val="black"/>
+                    </a:gs>
+                  </a:gsLst>
+                  <a:lin ang="5400000" scaled="0"/>
+                </a:gradFill>
+                <a:latin typeface="Segoe UI" pitchFamily="34" charset="0"/>
+                <a:ea typeface="Segoe UI" pitchFamily="34" charset="0"/>
+                <a:cs typeface="Segoe UI" pitchFamily="34" charset="0"/>
+              </a:rPr>
+              <a:t>The information herein is for informational purposes only and represents the current view of Microsoft Corporation as of the date of this presentation.  Because Microsoft must respond to changing market conditions, it should not be interpreted to be a commitment on the part of Microsoft, and Microsoft cannot guarantee the accuracy of any information provided after the date of this presentation.  MICROSOFT MAKES NO WARRANTIES, EXPRESS, IMPLIED OR STATUTORY, AS TO THE INFORMATION IN THIS PRESENTATION.</a:t>
+            </a:r>
+            <a:endParaRPr lang="en-US" sz="400" dirty="0">
+              <a:gradFill>
+                <a:gsLst>
+                  <a:gs pos="0">
+                    <a:prstClr val="black"/>
+                  </a:gs>
+                  <a:gs pos="100000">
+                    <a:prstClr val="black"/>
+                  </a:gs>
+                </a:gsLst>
+                <a:lin ang="5400000" scaled="0"/>
+              </a:gradFill>
+              <a:latin typeface="Segoe UI" pitchFamily="34" charset="0"/>
+              <a:ea typeface="Segoe UI" pitchFamily="34" charset="0"/>
+              <a:cs typeface="Segoe UI" pitchFamily="34" charset="0"/>
+            </a:endParaRPr>
+          </a:p>
+        </p:txBody>
+      </p:sp>
+      <p:sp>
+        <p:nvSpPr>
+          <p:cNvPr id="6" name="Date Placeholder 5"/>
+          <p:cNvSpPr>
+            <a:spLocks noGrp="1"/>
+          </p:cNvSpPr>
+          <p:nvPr>
+            <p:ph type="dt" idx="12"/>
+          </p:nvPr>
+        </p:nvSpPr>
+        <p:spPr/>
+        <p:txBody>
+          <a:bodyPr/>
+          <a:lstStyle/>
+          <a:p>
+            <a:fld id="{13387416-483C-4FAD-BAE7-895396D44C2D}" type="datetime1">
+              <a:rPr lang="en-US" smtClean="0"/>
+              <a:t>10/25/2017</a:t>
+            </a:fld>
+            <a:endParaRPr lang="en-US" dirty="0"/>
+          </a:p>
+        </p:txBody>
+      </p:sp>
+      <p:sp>
+        <p:nvSpPr>
+          <p:cNvPr id="7" name="Slide Number Placeholder 6"/>
+          <p:cNvSpPr>
+            <a:spLocks noGrp="1"/>
+          </p:cNvSpPr>
+          <p:nvPr>
+            <p:ph type="sldNum" sz="quarter" idx="13"/>
+          </p:nvPr>
+        </p:nvSpPr>
+        <p:spPr/>
+        <p:txBody>
+          <a:bodyPr/>
+          <a:lstStyle/>
+          <a:p>
+            <a:fld id="{B4008EB6-D09E-4580-8CD6-DDB14511944F}" type="slidenum">
+              <a:rPr lang="en-US" smtClean="0"/>
+              <a:pPr/>
+              <a:t>5</a:t>
+            </a:fld>
+            <a:endParaRPr lang="en-US" dirty="0"/>
+          </a:p>
+        </p:txBody>
+      </p:sp>
+    </p:spTree>
+    <p:extLst>
+      <p:ext uri="{BB962C8B-B14F-4D97-AF65-F5344CB8AC3E}">
+        <p14:creationId xmlns:p14="http://schemas.microsoft.com/office/powerpoint/2010/main" val="2251652313"/>
+      </p:ext>
+    </p:extLst>
+  </p:cSld>
+  <p:clrMapOvr>
+    <a:masterClrMapping/>
+  </p:clrMapOvr>
+</p:notes>
+</file>
+
+<file path=ppt/notesSlides/notesSlide6.xml><?xml version="1.0" encoding="utf-8"?>
+<p:notes xmlns:a="http://schemas.openxmlformats.org/drawingml/2006/main" xmlns:r="http://schemas.openxmlformats.org/officeDocument/2006/relationships" xmlns:p="http://schemas.openxmlformats.org/presentationml/2006/main">
+  <p:cSld>
+    <p:spTree>
+      <p:nvGrpSpPr>
+        <p:cNvPr id="1" name=""/>
+        <p:cNvGrpSpPr/>
+        <p:nvPr/>
+      </p:nvGrpSpPr>
+      <p:grpSpPr>
+        <a:xfrm>
+          <a:off x="0" y="0"/>
+          <a:ext cx="0" cy="0"/>
+          <a:chOff x="0" y="0"/>
+          <a:chExt cx="0" cy="0"/>
+        </a:xfrm>
+      </p:grpSpPr>
+      <p:sp>
+        <p:nvSpPr>
+          <p:cNvPr id="2" name="Slide Image Placeholder 1"/>
+          <p:cNvSpPr>
+            <a:spLocks noGrp="1" noRot="1" noChangeAspect="1"/>
+          </p:cNvSpPr>
+          <p:nvPr>
+            <p:ph type="sldImg"/>
+          </p:nvPr>
+        </p:nvSpPr>
+        <p:spPr/>
+      </p:sp>
+      <p:sp>
+        <p:nvSpPr>
+          <p:cNvPr id="3" name="Notes Placeholder 2"/>
+          <p:cNvSpPr>
+            <a:spLocks noGrp="1"/>
+          </p:cNvSpPr>
+          <p:nvPr>
+            <p:ph type="body" idx="1"/>
+          </p:nvPr>
+        </p:nvSpPr>
+        <p:spPr/>
+        <p:txBody>
+          <a:bodyPr/>
+          <a:lstStyle/>
+          <a:p>
+            <a:endParaRPr lang="en-US"/>
+          </a:p>
+        </p:txBody>
+      </p:sp>
+      <p:sp>
+        <p:nvSpPr>
+          <p:cNvPr id="4" name="Header Placeholder 3"/>
+          <p:cNvSpPr>
+            <a:spLocks noGrp="1"/>
+          </p:cNvSpPr>
+          <p:nvPr>
+            <p:ph type="hdr" sz="quarter" idx="10"/>
+          </p:nvPr>
+        </p:nvSpPr>
+        <p:spPr/>
+        <p:txBody>
+          <a:bodyPr/>
+          <a:lstStyle/>
+          <a:p>
+            <a:endParaRPr lang="en-US" dirty="0"/>
+          </a:p>
+        </p:txBody>
+      </p:sp>
+      <p:sp>
+        <p:nvSpPr>
+          <p:cNvPr id="5" name="Footer Placeholder 4"/>
+          <p:cNvSpPr>
+            <a:spLocks noGrp="1"/>
+          </p:cNvSpPr>
+          <p:nvPr>
+            <p:ph type="ftr" sz="quarter" idx="11"/>
+          </p:nvPr>
+        </p:nvSpPr>
+        <p:spPr/>
+        <p:txBody>
+          <a:bodyPr/>
+          <a:lstStyle/>
+          <a:p>
+            <a:pPr defTabSz="914099" eaLnBrk="0" hangingPunct="0"/>
+            <a:r>
+              <a:rPr lang="en-US" sz="400">
+                <a:gradFill>
+                  <a:gsLst>
+                    <a:gs pos="0">
+                      <a:prstClr val="black"/>
+                    </a:gs>
+                    <a:gs pos="100000">
+                      <a:prstClr val="black"/>
+                    </a:gs>
+                  </a:gsLst>
+                  <a:lin ang="5400000" scaled="0"/>
+                </a:gradFill>
+                <a:latin typeface="Segoe UI" pitchFamily="34" charset="0"/>
+                <a:ea typeface="Segoe UI" pitchFamily="34" charset="0"/>
+                <a:cs typeface="Segoe UI" pitchFamily="34" charset="0"/>
+              </a:rPr>
+              <a:t>© 2012 Microsoft Corporation. All rights reserved. Microsoft, Windows, and other product names are or may be registered trademarks and/or trademarks in the U.S. and/or other countries.</a:t>
+            </a:r>
+          </a:p>
+          <a:p>
+            <a:pPr defTabSz="914099" eaLnBrk="0" hangingPunct="0"/>
+            <a:r>
+              <a:rPr lang="en-US" sz="400">
+                <a:gradFill>
+                  <a:gsLst>
+                    <a:gs pos="0">
+                      <a:prstClr val="black"/>
+                    </a:gs>
+                    <a:gs pos="100000">
+                      <a:prstClr val="black"/>
+                    </a:gs>
+                  </a:gsLst>
+                  <a:lin ang="5400000" scaled="0"/>
+                </a:gradFill>
+                <a:latin typeface="Segoe UI" pitchFamily="34" charset="0"/>
+                <a:ea typeface="Segoe UI" pitchFamily="34" charset="0"/>
+                <a:cs typeface="Segoe UI" pitchFamily="34" charset="0"/>
+              </a:rPr>
+              <a:t>The information herein is for informational purposes only and represents the current view of Microsoft Corporation as of the date of this presentation.  Because Microsoft must respond to changing market conditions, it should not be interpreted to be a commitment on the part of Microsoft, and Microsoft cannot guarantee the accuracy of any information provided after the date of this presentation.  MICROSOFT MAKES NO WARRANTIES, EXPRESS, IMPLIED OR STATUTORY, AS TO THE INFORMATION IN THIS PRESENTATION.</a:t>
+            </a:r>
+            <a:endParaRPr lang="en-US" sz="400" dirty="0">
+              <a:gradFill>
+                <a:gsLst>
+                  <a:gs pos="0">
+                    <a:prstClr val="black"/>
+                  </a:gs>
+                  <a:gs pos="100000">
+                    <a:prstClr val="black"/>
+                  </a:gs>
+                </a:gsLst>
+                <a:lin ang="5400000" scaled="0"/>
+              </a:gradFill>
+              <a:latin typeface="Segoe UI" pitchFamily="34" charset="0"/>
+              <a:ea typeface="Segoe UI" pitchFamily="34" charset="0"/>
+              <a:cs typeface="Segoe UI" pitchFamily="34" charset="0"/>
+            </a:endParaRPr>
+          </a:p>
+        </p:txBody>
+      </p:sp>
+      <p:sp>
+        <p:nvSpPr>
+          <p:cNvPr id="6" name="Date Placeholder 5"/>
+          <p:cNvSpPr>
+            <a:spLocks noGrp="1"/>
+          </p:cNvSpPr>
+          <p:nvPr>
+            <p:ph type="dt" idx="12"/>
+          </p:nvPr>
+        </p:nvSpPr>
+        <p:spPr/>
+        <p:txBody>
+          <a:bodyPr/>
+          <a:lstStyle/>
+          <a:p>
+            <a:fld id="{55DB356B-35E3-4EC5-A554-EFC26DC44721}" type="datetime1">
+              <a:rPr lang="en-US" smtClean="0"/>
+              <a:t>10/25/2017</a:t>
+            </a:fld>
+            <a:endParaRPr lang="en-US" dirty="0"/>
+          </a:p>
+        </p:txBody>
+      </p:sp>
+      <p:sp>
+        <p:nvSpPr>
+          <p:cNvPr id="7" name="Slide Number Placeholder 6"/>
+          <p:cNvSpPr>
+            <a:spLocks noGrp="1"/>
+          </p:cNvSpPr>
+          <p:nvPr>
+            <p:ph type="sldNum" sz="quarter" idx="13"/>
+          </p:nvPr>
+        </p:nvSpPr>
+        <p:spPr/>
+        <p:txBody>
+          <a:bodyPr/>
+          <a:lstStyle/>
+          <a:p>
+            <a:fld id="{B4008EB6-D09E-4580-8CD6-DDB14511944F}" type="slidenum">
+              <a:rPr lang="en-US" smtClean="0"/>
+              <a:pPr/>
+              <a:t>6</a:t>
+            </a:fld>
+            <a:endParaRPr lang="en-US" dirty="0"/>
+          </a:p>
+        </p:txBody>
+      </p:sp>
+    </p:spTree>
+    <p:extLst>
+      <p:ext uri="{BB962C8B-B14F-4D97-AF65-F5344CB8AC3E}">
+        <p14:creationId xmlns:p14="http://schemas.microsoft.com/office/powerpoint/2010/main" val="439862768"/>
+      </p:ext>
+    </p:extLst>
+  </p:cSld>
+  <p:clrMapOvr>
+    <a:masterClrMapping/>
+  </p:clrMapOvr>
+</p:notes>
+</file>
+
+<file path=ppt/notesSlides/notesSlide7.xml><?xml version="1.0" encoding="utf-8"?>
+<p:notes xmlns:a="http://schemas.openxmlformats.org/drawingml/2006/main" xmlns:r="http://schemas.openxmlformats.org/officeDocument/2006/relationships" xmlns:p="http://schemas.openxmlformats.org/presentationml/2006/main">
+  <p:cSld>
+    <p:spTree>
+      <p:nvGrpSpPr>
+        <p:cNvPr id="1" name=""/>
+        <p:cNvGrpSpPr/>
+        <p:nvPr/>
+      </p:nvGrpSpPr>
+      <p:grpSpPr>
+        <a:xfrm>
+          <a:off x="0" y="0"/>
+          <a:ext cx="0" cy="0"/>
+          <a:chOff x="0" y="0"/>
+          <a:chExt cx="0" cy="0"/>
+        </a:xfrm>
+      </p:grpSpPr>
+      <p:sp>
+        <p:nvSpPr>
+          <p:cNvPr id="2" name="Slide Image Placeholder 1"/>
+          <p:cNvSpPr>
+            <a:spLocks noGrp="1" noRot="1" noChangeAspect="1"/>
+          </p:cNvSpPr>
+          <p:nvPr>
+            <p:ph type="sldImg"/>
+          </p:nvPr>
+        </p:nvSpPr>
+        <p:spPr/>
+      </p:sp>
+      <p:sp>
+        <p:nvSpPr>
+          <p:cNvPr id="3" name="Notes Placeholder 2"/>
+          <p:cNvSpPr>
+            <a:spLocks noGrp="1"/>
+          </p:cNvSpPr>
+          <p:nvPr>
+            <p:ph type="body" idx="1"/>
+          </p:nvPr>
+        </p:nvSpPr>
+        <p:spPr/>
+        <p:txBody>
+          <a:bodyPr/>
+          <a:lstStyle/>
+          <a:p>
+            <a:endParaRPr lang="en-US"/>
+          </a:p>
+        </p:txBody>
+      </p:sp>
+      <p:sp>
+        <p:nvSpPr>
+          <p:cNvPr id="4" name="Header Placeholder 3"/>
+          <p:cNvSpPr>
+            <a:spLocks noGrp="1"/>
+          </p:cNvSpPr>
+          <p:nvPr>
+            <p:ph type="hdr" sz="quarter" idx="10"/>
+          </p:nvPr>
+        </p:nvSpPr>
+        <p:spPr/>
+        <p:txBody>
+          <a:bodyPr/>
+          <a:lstStyle/>
+          <a:p>
+            <a:endParaRPr lang="en-US" dirty="0"/>
+          </a:p>
+        </p:txBody>
+      </p:sp>
+      <p:sp>
+        <p:nvSpPr>
+          <p:cNvPr id="5" name="Footer Placeholder 4"/>
+          <p:cNvSpPr>
+            <a:spLocks noGrp="1"/>
+          </p:cNvSpPr>
+          <p:nvPr>
+            <p:ph type="ftr" sz="quarter" idx="11"/>
+          </p:nvPr>
+        </p:nvSpPr>
+        <p:spPr/>
+        <p:txBody>
+          <a:bodyPr/>
+          <a:lstStyle/>
+          <a:p>
+            <a:pPr defTabSz="914099" eaLnBrk="0" hangingPunct="0"/>
+            <a:r>
+              <a:rPr lang="en-US" sz="400">
+                <a:gradFill>
+                  <a:gsLst>
+                    <a:gs pos="0">
+                      <a:prstClr val="black"/>
+                    </a:gs>
+                    <a:gs pos="100000">
+                      <a:prstClr val="black"/>
+                    </a:gs>
+                  </a:gsLst>
+                  <a:lin ang="5400000" scaled="0"/>
+                </a:gradFill>
+                <a:latin typeface="Segoe UI" pitchFamily="34" charset="0"/>
+                <a:ea typeface="Segoe UI" pitchFamily="34" charset="0"/>
+                <a:cs typeface="Segoe UI" pitchFamily="34" charset="0"/>
+              </a:rPr>
+              <a:t>© 2012 Microsoft Corporation. All rights reserved. Microsoft, Windows, and other product names are or may be registered trademarks and/or trademarks in the U.S. and/or other countries.</a:t>
+            </a:r>
+          </a:p>
+          <a:p>
+            <a:pPr defTabSz="914099" eaLnBrk="0" hangingPunct="0"/>
+            <a:r>
+              <a:rPr lang="en-US" sz="400">
+                <a:gradFill>
+                  <a:gsLst>
+                    <a:gs pos="0">
+                      <a:prstClr val="black"/>
+                    </a:gs>
+                    <a:gs pos="100000">
+                      <a:prstClr val="black"/>
+                    </a:gs>
+                  </a:gsLst>
+                  <a:lin ang="5400000" scaled="0"/>
+                </a:gradFill>
+                <a:latin typeface="Segoe UI" pitchFamily="34" charset="0"/>
+                <a:ea typeface="Segoe UI" pitchFamily="34" charset="0"/>
+                <a:cs typeface="Segoe UI" pitchFamily="34" charset="0"/>
+              </a:rPr>
+              <a:t>The information herein is for informational purposes only and represents the current view of Microsoft Corporation as of the date of this presentation.  Because Microsoft must respond to changing market conditions, it should not be interpreted to be a commitment on the part of Microsoft, and Microsoft cannot guarantee the accuracy of any information provided after the date of this presentation.  MICROSOFT MAKES NO WARRANTIES, EXPRESS, IMPLIED OR STATUTORY, AS TO THE INFORMATION IN THIS PRESENTATION.</a:t>
+            </a:r>
+            <a:endParaRPr lang="en-US" sz="400" dirty="0">
+              <a:gradFill>
+                <a:gsLst>
+                  <a:gs pos="0">
+                    <a:prstClr val="black"/>
+                  </a:gs>
+                  <a:gs pos="100000">
+                    <a:prstClr val="black"/>
+                  </a:gs>
+                </a:gsLst>
+                <a:lin ang="5400000" scaled="0"/>
+              </a:gradFill>
+              <a:latin typeface="Segoe UI" pitchFamily="34" charset="0"/>
+              <a:ea typeface="Segoe UI" pitchFamily="34" charset="0"/>
+              <a:cs typeface="Segoe UI" pitchFamily="34" charset="0"/>
+            </a:endParaRPr>
+          </a:p>
+        </p:txBody>
+      </p:sp>
+      <p:sp>
+        <p:nvSpPr>
+          <p:cNvPr id="6" name="Date Placeholder 5"/>
+          <p:cNvSpPr>
+            <a:spLocks noGrp="1"/>
+          </p:cNvSpPr>
+          <p:nvPr>
+            <p:ph type="dt" idx="12"/>
+          </p:nvPr>
+        </p:nvSpPr>
+        <p:spPr/>
+        <p:txBody>
+          <a:bodyPr/>
+          <a:lstStyle/>
+          <a:p>
+            <a:fld id="{E468B98F-A18E-436B-AA0D-096113BCBACC}" type="datetime1">
+              <a:rPr lang="en-US" smtClean="0"/>
+              <a:t>10/25/2017</a:t>
+            </a:fld>
+            <a:endParaRPr lang="en-US" dirty="0"/>
+          </a:p>
+        </p:txBody>
+      </p:sp>
+      <p:sp>
+        <p:nvSpPr>
+          <p:cNvPr id="7" name="Slide Number Placeholder 6"/>
+          <p:cNvSpPr>
+            <a:spLocks noGrp="1"/>
+          </p:cNvSpPr>
+          <p:nvPr>
+            <p:ph type="sldNum" sz="quarter" idx="13"/>
+          </p:nvPr>
+        </p:nvSpPr>
+        <p:spPr/>
+        <p:txBody>
+          <a:bodyPr/>
+          <a:lstStyle/>
+          <a:p>
+            <a:fld id="{B4008EB6-D09E-4580-8CD6-DDB14511944F}" type="slidenum">
+              <a:rPr lang="en-US" smtClean="0"/>
+              <a:pPr/>
+              <a:t>7</a:t>
+            </a:fld>
+            <a:endParaRPr lang="en-US" dirty="0"/>
+          </a:p>
+        </p:txBody>
+      </p:sp>
+    </p:spTree>
+    <p:extLst>
+      <p:ext uri="{BB962C8B-B14F-4D97-AF65-F5344CB8AC3E}">
+        <p14:creationId xmlns:p14="http://schemas.microsoft.com/office/powerpoint/2010/main" val="374096727"/>
+      </p:ext>
+    </p:extLst>
+  </p:cSld>
+  <p:clrMapOvr>
+    <a:masterClrMapping/>
+  </p:clrMapOvr>
+</p:notes>
+</file>
+
+<file path=ppt/notesSlides/notesSlide8.xml><?xml version="1.0" encoding="utf-8"?>
+<p:notes xmlns:a="http://schemas.openxmlformats.org/drawingml/2006/main" xmlns:r="http://schemas.openxmlformats.org/officeDocument/2006/relationships" xmlns:p="http://schemas.openxmlformats.org/presentationml/2006/main">
+  <p:cSld>
+    <p:spTree>
+      <p:nvGrpSpPr>
+        <p:cNvPr id="1" name=""/>
+        <p:cNvGrpSpPr/>
+        <p:nvPr/>
+      </p:nvGrpSpPr>
+      <p:grpSpPr>
+        <a:xfrm>
+          <a:off x="0" y="0"/>
+          <a:ext cx="0" cy="0"/>
+          <a:chOff x="0" y="0"/>
+          <a:chExt cx="0" cy="0"/>
+        </a:xfrm>
+      </p:grpSpPr>
+      <p:sp>
+        <p:nvSpPr>
+          <p:cNvPr id="2" name="Slide Image Placeholder 1"/>
+          <p:cNvSpPr>
+            <a:spLocks noGrp="1" noRot="1" noChangeAspect="1"/>
+          </p:cNvSpPr>
+          <p:nvPr>
+            <p:ph type="sldImg"/>
+          </p:nvPr>
+        </p:nvSpPr>
+        <p:spPr/>
+      </p:sp>
+      <p:sp>
+        <p:nvSpPr>
+          <p:cNvPr id="3" name="Notes Placeholder 2"/>
+          <p:cNvSpPr>
+            <a:spLocks noGrp="1"/>
+          </p:cNvSpPr>
+          <p:nvPr>
+            <p:ph type="body" idx="1"/>
+          </p:nvPr>
+        </p:nvSpPr>
+        <p:spPr/>
+        <p:txBody>
+          <a:bodyPr/>
+          <a:lstStyle/>
+          <a:p>
+            <a:endParaRPr lang="en-US"/>
+          </a:p>
+        </p:txBody>
+      </p:sp>
+      <p:sp>
+        <p:nvSpPr>
+          <p:cNvPr id="4" name="Header Placeholder 3"/>
+          <p:cNvSpPr>
+            <a:spLocks noGrp="1"/>
+          </p:cNvSpPr>
+          <p:nvPr>
+            <p:ph type="hdr" sz="quarter" idx="10"/>
+          </p:nvPr>
+        </p:nvSpPr>
+        <p:spPr/>
+        <p:txBody>
+          <a:bodyPr/>
+          <a:lstStyle/>
+          <a:p>
+            <a:endParaRPr lang="en-US" dirty="0"/>
+          </a:p>
+        </p:txBody>
+      </p:sp>
+      <p:sp>
+        <p:nvSpPr>
+          <p:cNvPr id="5" name="Footer Placeholder 4"/>
+          <p:cNvSpPr>
+            <a:spLocks noGrp="1"/>
+          </p:cNvSpPr>
+          <p:nvPr>
+            <p:ph type="ftr" sz="quarter" idx="11"/>
+          </p:nvPr>
+        </p:nvSpPr>
+        <p:spPr/>
+        <p:txBody>
+          <a:bodyPr/>
+          <a:lstStyle/>
+          <a:p>
+            <a:pPr defTabSz="914099" eaLnBrk="0" hangingPunct="0"/>
+            <a:r>
+              <a:rPr lang="en-US" sz="400">
+                <a:gradFill>
+                  <a:gsLst>
+                    <a:gs pos="0">
+                      <a:prstClr val="black"/>
+                    </a:gs>
+                    <a:gs pos="100000">
+                      <a:prstClr val="black"/>
+                    </a:gs>
+                  </a:gsLst>
+                  <a:lin ang="5400000" scaled="0"/>
+                </a:gradFill>
+                <a:latin typeface="Segoe UI" pitchFamily="34" charset="0"/>
+                <a:ea typeface="Segoe UI" pitchFamily="34" charset="0"/>
+                <a:cs typeface="Segoe UI" pitchFamily="34" charset="0"/>
+              </a:rPr>
+              <a:t>© 2012 Microsoft Corporation. All rights reserved. Microsoft, Windows, and other product names are or may be registered trademarks and/or trademarks in the U.S. and/or other countries.</a:t>
+            </a:r>
+          </a:p>
+          <a:p>
+            <a:pPr defTabSz="914099" eaLnBrk="0" hangingPunct="0"/>
+            <a:r>
+              <a:rPr lang="en-US" sz="400">
+                <a:gradFill>
+                  <a:gsLst>
+                    <a:gs pos="0">
+                      <a:prstClr val="black"/>
+                    </a:gs>
+                    <a:gs pos="100000">
+                      <a:prstClr val="black"/>
+                    </a:gs>
+                  </a:gsLst>
+                  <a:lin ang="5400000" scaled="0"/>
+                </a:gradFill>
+                <a:latin typeface="Segoe UI" pitchFamily="34" charset="0"/>
+                <a:ea typeface="Segoe UI" pitchFamily="34" charset="0"/>
+                <a:cs typeface="Segoe UI" pitchFamily="34" charset="0"/>
+              </a:rPr>
+              <a:t>The information herein is for informational purposes only and represents the current view of Microsoft Corporation as of the date of this presentation.  Because Microsoft must respond to changing market conditions, it should not be interpreted to be a commitment on the part of Microsoft, and Microsoft cannot guarantee the accuracy of any information provided after the date of this presentation.  MICROSOFT MAKES NO WARRANTIES, EXPRESS, IMPLIED OR STATUTORY, AS TO THE INFORMATION IN THIS PRESENTATION.</a:t>
+            </a:r>
+            <a:endParaRPr lang="en-US" sz="400" dirty="0">
+              <a:gradFill>
+                <a:gsLst>
+                  <a:gs pos="0">
+                    <a:prstClr val="black"/>
+                  </a:gs>
+                  <a:gs pos="100000">
+                    <a:prstClr val="black"/>
+                  </a:gs>
+                </a:gsLst>
+                <a:lin ang="5400000" scaled="0"/>
+              </a:gradFill>
+              <a:latin typeface="Segoe UI" pitchFamily="34" charset="0"/>
+              <a:ea typeface="Segoe UI" pitchFamily="34" charset="0"/>
+              <a:cs typeface="Segoe UI" pitchFamily="34" charset="0"/>
+            </a:endParaRPr>
+          </a:p>
+        </p:txBody>
+      </p:sp>
+      <p:sp>
+        <p:nvSpPr>
+          <p:cNvPr id="6" name="Date Placeholder 5"/>
+          <p:cNvSpPr>
+            <a:spLocks noGrp="1"/>
+          </p:cNvSpPr>
+          <p:nvPr>
+            <p:ph type="dt" idx="12"/>
+          </p:nvPr>
+        </p:nvSpPr>
+        <p:spPr/>
+        <p:txBody>
+          <a:bodyPr/>
+          <a:lstStyle/>
+          <a:p>
+            <a:fld id="{1720DD90-6BF0-4E1D-9B95-4F4E07AD3901}" type="datetime1">
+              <a:rPr lang="en-US" smtClean="0"/>
+              <a:t>10/25/2017</a:t>
+            </a:fld>
+            <a:endParaRPr lang="en-US" dirty="0"/>
+          </a:p>
+        </p:txBody>
+      </p:sp>
+      <p:sp>
+        <p:nvSpPr>
+          <p:cNvPr id="7" name="Slide Number Placeholder 6"/>
+          <p:cNvSpPr>
+            <a:spLocks noGrp="1"/>
+          </p:cNvSpPr>
+          <p:nvPr>
+            <p:ph type="sldNum" sz="quarter" idx="13"/>
+          </p:nvPr>
+        </p:nvSpPr>
+        <p:spPr/>
+        <p:txBody>
+          <a:bodyPr/>
+          <a:lstStyle/>
+          <a:p>
+            <a:fld id="{B4008EB6-D09E-4580-8CD6-DDB14511944F}" type="slidenum">
+              <a:rPr lang="en-US" smtClean="0"/>
+              <a:pPr/>
+              <a:t>8</a:t>
+            </a:fld>
+            <a:endParaRPr lang="en-US" dirty="0"/>
+          </a:p>
+        </p:txBody>
+      </p:sp>
+    </p:spTree>
+    <p:extLst>
+      <p:ext uri="{BB962C8B-B14F-4D97-AF65-F5344CB8AC3E}">
+        <p14:creationId xmlns:p14="http://schemas.microsoft.com/office/powerpoint/2010/main" val="1426794209"/>
+      </p:ext>
+    </p:extLst>
+  </p:cSld>
+  <p:clrMapOvr>
+    <a:masterClrMapping/>
+  </p:clrMapOvr>
+</p:notes>
+</file>
+
+<file path=ppt/notesSlides/notesSlide9.xml><?xml version="1.0" encoding="utf-8"?>
+<p:notes xmlns:a="http://schemas.openxmlformats.org/drawingml/2006/main" xmlns:r="http://schemas.openxmlformats.org/officeDocument/2006/relationships" xmlns:p="http://schemas.openxmlformats.org/presentationml/2006/main">
+  <p:cSld>
+    <p:spTree>
+      <p:nvGrpSpPr>
+        <p:cNvPr id="1" name=""/>
+        <p:cNvGrpSpPr/>
+        <p:nvPr/>
+      </p:nvGrpSpPr>
+      <p:grpSpPr>
+        <a:xfrm>
+          <a:off x="0" y="0"/>
+          <a:ext cx="0" cy="0"/>
+          <a:chOff x="0" y="0"/>
+          <a:chExt cx="0" cy="0"/>
+        </a:xfrm>
+      </p:grpSpPr>
+      <p:sp>
+        <p:nvSpPr>
+          <p:cNvPr id="2" name="Slide Image Placeholder 1"/>
+          <p:cNvSpPr>
+            <a:spLocks noGrp="1" noRot="1" noChangeAspect="1"/>
+          </p:cNvSpPr>
+          <p:nvPr>
+            <p:ph type="sldImg"/>
+          </p:nvPr>
+        </p:nvSpPr>
+        <p:spPr/>
+      </p:sp>
+      <p:sp>
+        <p:nvSpPr>
+          <p:cNvPr id="3" name="Notes Placeholder 2"/>
+          <p:cNvSpPr>
+            <a:spLocks noGrp="1"/>
+          </p:cNvSpPr>
+          <p:nvPr>
+            <p:ph type="body" idx="1"/>
+          </p:nvPr>
+        </p:nvSpPr>
+        <p:spPr/>
+        <p:txBody>
+          <a:bodyPr/>
+          <a:lstStyle/>
+          <a:p>
+            <a:endParaRPr lang="en-US"/>
+          </a:p>
+        </p:txBody>
+      </p:sp>
+      <p:sp>
+        <p:nvSpPr>
+          <p:cNvPr id="4" name="Header Placeholder 3"/>
+          <p:cNvSpPr>
+            <a:spLocks noGrp="1"/>
+          </p:cNvSpPr>
+          <p:nvPr>
+            <p:ph type="hdr" sz="quarter" idx="10"/>
+          </p:nvPr>
+        </p:nvSpPr>
+        <p:spPr/>
+        <p:txBody>
+          <a:bodyPr/>
+          <a:lstStyle/>
+          <a:p>
+            <a:endParaRPr lang="en-US" dirty="0"/>
+          </a:p>
+        </p:txBody>
+      </p:sp>
+      <p:sp>
+        <p:nvSpPr>
+          <p:cNvPr id="5" name="Footer Placeholder 4"/>
+          <p:cNvSpPr>
+            <a:spLocks noGrp="1"/>
+          </p:cNvSpPr>
+          <p:nvPr>
+            <p:ph type="ftr" sz="quarter" idx="11"/>
+          </p:nvPr>
+        </p:nvSpPr>
+        <p:spPr/>
+        <p:txBody>
+          <a:bodyPr/>
+          <a:lstStyle/>
+          <a:p>
+            <a:pPr defTabSz="914099" eaLnBrk="0" hangingPunct="0"/>
+            <a:r>
+              <a:rPr lang="en-US" sz="400">
+                <a:gradFill>
+                  <a:gsLst>
+                    <a:gs pos="0">
+                      <a:prstClr val="black"/>
+                    </a:gs>
+                    <a:gs pos="100000">
+                      <a:prstClr val="black"/>
+                    </a:gs>
+                  </a:gsLst>
+                  <a:lin ang="5400000" scaled="0"/>
+                </a:gradFill>
+                <a:latin typeface="Segoe UI" pitchFamily="34" charset="0"/>
+                <a:ea typeface="Segoe UI" pitchFamily="34" charset="0"/>
+                <a:cs typeface="Segoe UI" pitchFamily="34" charset="0"/>
+              </a:rPr>
+              <a:t>© 2012 Microsoft Corporation. All rights reserved. Microsoft, Windows, and other product names are or may be registered trademarks and/or trademarks in the U.S. and/or other countries.</a:t>
+            </a:r>
+          </a:p>
+          <a:p>
+            <a:pPr defTabSz="914099" eaLnBrk="0" hangingPunct="0"/>
+            <a:r>
+              <a:rPr lang="en-US" sz="400">
+                <a:gradFill>
+                  <a:gsLst>
+                    <a:gs pos="0">
+                      <a:prstClr val="black"/>
+                    </a:gs>
+                    <a:gs pos="100000">
+                      <a:prstClr val="black"/>
+                    </a:gs>
+                  </a:gsLst>
+                  <a:lin ang="5400000" scaled="0"/>
+                </a:gradFill>
+                <a:latin typeface="Segoe UI" pitchFamily="34" charset="0"/>
+                <a:ea typeface="Segoe UI" pitchFamily="34" charset="0"/>
+                <a:cs typeface="Segoe UI" pitchFamily="34" charset="0"/>
+              </a:rPr>
+              <a:t>The information herein is for informational purposes only and represents the current view of Microsoft Corporation as of the date of this presentation.  Because Microsoft must respond to changing market conditions, it should not be interpreted to be a commitment on the part of Microsoft, and Microsoft cannot guarantee the accuracy of any information provided after the date of this presentation.  MICROSOFT MAKES NO WARRANTIES, EXPRESS, IMPLIED OR STATUTORY, AS TO THE INFORMATION IN THIS PRESENTATION.</a:t>
+            </a:r>
+            <a:endParaRPr lang="en-US" sz="400" dirty="0">
+              <a:gradFill>
+                <a:gsLst>
+                  <a:gs pos="0">
+                    <a:prstClr val="black"/>
+                  </a:gs>
+                  <a:gs pos="100000">
+                    <a:prstClr val="black"/>
+                  </a:gs>
+                </a:gsLst>
+                <a:lin ang="5400000" scaled="0"/>
+              </a:gradFill>
+              <a:latin typeface="Segoe UI" pitchFamily="34" charset="0"/>
+              <a:ea typeface="Segoe UI" pitchFamily="34" charset="0"/>
+              <a:cs typeface="Segoe UI" pitchFamily="34" charset="0"/>
+            </a:endParaRPr>
+          </a:p>
+        </p:txBody>
+      </p:sp>
+      <p:sp>
+        <p:nvSpPr>
+          <p:cNvPr id="6" name="Date Placeholder 5"/>
+          <p:cNvSpPr>
+            <a:spLocks noGrp="1"/>
+          </p:cNvSpPr>
+          <p:nvPr>
+            <p:ph type="dt" idx="12"/>
+          </p:nvPr>
+        </p:nvSpPr>
+        <p:spPr/>
+        <p:txBody>
+          <a:bodyPr/>
+          <a:lstStyle/>
+          <a:p>
+            <a:fld id="{28ADA31E-3D7D-4E3C-A162-ADF6CD0AD1F2}" type="datetime1">
+              <a:rPr lang="en-US" smtClean="0"/>
+              <a:t>10/25/2017</a:t>
+            </a:fld>
+            <a:endParaRPr lang="en-US" dirty="0"/>
+          </a:p>
+        </p:txBody>
+      </p:sp>
+      <p:sp>
+        <p:nvSpPr>
+          <p:cNvPr id="7" name="Slide Number Placeholder 6"/>
+          <p:cNvSpPr>
+            <a:spLocks noGrp="1"/>
+          </p:cNvSpPr>
+          <p:nvPr>
+            <p:ph type="sldNum" sz="quarter" idx="13"/>
+          </p:nvPr>
+        </p:nvSpPr>
+        <p:spPr/>
+        <p:txBody>
+          <a:bodyPr/>
+          <a:lstStyle/>
+          <a:p>
+            <a:fld id="{B4008EB6-D09E-4580-8CD6-DDB14511944F}" type="slidenum">
+              <a:rPr lang="en-US" smtClean="0"/>
+              <a:pPr/>
+              <a:t>9</a:t>
+            </a:fld>
+            <a:endParaRPr lang="en-US" dirty="0"/>
+          </a:p>
+        </p:txBody>
+      </p:sp>
+    </p:spTree>
+    <p:extLst>
+      <p:ext uri="{BB962C8B-B14F-4D97-AF65-F5344CB8AC3E}">
+        <p14:creationId xmlns:p14="http://schemas.microsoft.com/office/powerpoint/2010/main" val="3173395606"/>
+      </p:ext>
+    </p:extLst>
+  </p:cSld>
+  <p:clrMapOvr>
+    <a:masterClrMapping/>
+  </p:clrMapOvr>
+</p:notes>
 </file>
 
 <file path=ppt/slideLayouts/slideLayout1.xml><?xml version="1.0" encoding="utf-8"?>
@@ -4605,13 +7041,13 @@
             </a:pPr>
             <a:r>
               <a:rPr lang="da-DK" dirty="0">
-                <a:hlinkClick r:id="rId2"/>
+                <a:hlinkClick r:id="rId3"/>
               </a:rPr>
               <a:t>r</a:t>
             </a:r>
             <a:r>
               <a:rPr lang="en-US" dirty="0">
-                <a:hlinkClick r:id="rId2"/>
+                <a:hlinkClick r:id="rId3"/>
               </a:rPr>
               <a:t>nie@itu.dk</a:t>
             </a:r>
@@ -4995,7 +7431,7 @@
           <p:nvPr/>
         </p:nvPicPr>
         <p:blipFill>
-          <a:blip r:embed="rId2"/>
+          <a:blip r:embed="rId3"/>
           <a:stretch>
             <a:fillRect/>
           </a:stretch>
@@ -5366,7 +7802,7 @@
           <p:nvPr/>
         </p:nvPicPr>
         <p:blipFill>
-          <a:blip r:embed="rId2"/>
+          <a:blip r:embed="rId3"/>
           <a:stretch>
             <a:fillRect/>
           </a:stretch>
@@ -5745,7 +8181,7 @@
           <p:nvPr/>
         </p:nvPicPr>
         <p:blipFill>
-          <a:blip r:embed="rId2"/>
+          <a:blip r:embed="rId3"/>
           <a:stretch>
             <a:fillRect/>
           </a:stretch>
@@ -7789,7 +10225,7 @@
           <p:nvPr/>
         </p:nvPicPr>
         <p:blipFill>
-          <a:blip r:embed="rId2"/>
+          <a:blip r:embed="rId3"/>
           <a:stretch>
             <a:fillRect/>
           </a:stretch>
@@ -8160,7 +10596,7 @@
           <p:nvPr/>
         </p:nvPicPr>
         <p:blipFill>
-          <a:blip r:embed="rId2"/>
+          <a:blip r:embed="rId3"/>
           <a:stretch>
             <a:fillRect/>
           </a:stretch>
@@ -8983,7 +11419,7 @@
           <p:nvPr/>
         </p:nvPicPr>
         <p:blipFill>
-          <a:blip r:embed="rId2"/>
+          <a:blip r:embed="rId3"/>
           <a:stretch>
             <a:fillRect/>
           </a:stretch>
@@ -9363,7 +11799,7 @@
           <p:nvPr/>
         </p:nvPicPr>
         <p:blipFill>
-          <a:blip r:embed="rId2"/>
+          <a:blip r:embed="rId3"/>
           <a:stretch>
             <a:fillRect/>
           </a:stretch>
@@ -10255,58 +12691,12 @@
 </file>
 
 <file path=customXml/item1.xml><?xml version="1.0" encoding="utf-8"?>
-<p:properties xmlns:p="http://schemas.microsoft.com/office/2006/metadata/properties" xmlns:xsi="http://www.w3.org/2001/XMLSchema-instance" xmlns:pc="http://schemas.microsoft.com/office/infopath/2007/PartnerControls">
-  <documentManagement>
-    <TrackTaxHTField0 xmlns="2295e2e7-0eeb-498e-8716-217bb2ee6ee3">
-      <Terms xmlns="http://schemas.microsoft.com/office/infopath/2007/PartnerControls"/>
-    </TrackTaxHTField0>
-    <CampaignTaxHTField0 xmlns="2295e2e7-0eeb-498e-8716-217bb2ee6ee3">
-      <Terms xmlns="http://schemas.microsoft.com/office/infopath/2007/PartnerControls"/>
-    </CampaignTaxHTField0>
-    <Event_x0020_End_x0020_Date xmlns="2295e2e7-0eeb-498e-8716-217bb2ee6ee3" xsi:nil="true"/>
-    <Event_x0020_Start_x0020_Date xmlns="2295e2e7-0eeb-498e-8716-217bb2ee6ee3" xsi:nil="true"/>
-    <MS_x0020_Speaker xmlns="2295e2e7-0eeb-498e-8716-217bb2ee6ee3">
-      <UserInfo>
-        <DisplayName/>
-        <AccountId xsi:nil="true"/>
-        <AccountType/>
-      </UserInfo>
-    </MS_x0020_Speaker>
-    <External_x0020_Speaker xmlns="2295e2e7-0eeb-498e-8716-217bb2ee6ee3" xsi:nil="true"/>
-    <Session_x0020_Code xmlns="2295e2e7-0eeb-498e-8716-217bb2ee6ee3" xsi:nil="true"/>
-    <ProductTaxHTField0 xmlns="2295e2e7-0eeb-498e-8716-217bb2ee6ee3">
-      <Terms xmlns="http://schemas.microsoft.com/office/infopath/2007/PartnerControls"/>
-    </ProductTaxHTField0>
-    <Presentation_x0020_Date xmlns="2295e2e7-0eeb-498e-8716-217bb2ee6ee3" xsi:nil="true"/>
-    <Event_x0020_LocationTaxHTField0 xmlns="2295e2e7-0eeb-498e-8716-217bb2ee6ee3">
-      <Terms xmlns="http://schemas.microsoft.com/office/infopath/2007/PartnerControls"/>
-    </Event_x0020_LocationTaxHTField0>
-    <Event1TaxHTField0 xmlns="2295e2e7-0eeb-498e-8716-217bb2ee6ee3">
-      <Terms xmlns="http://schemas.microsoft.com/office/infopath/2007/PartnerControls">
-        <TermInfo xmlns="http://schemas.microsoft.com/office/infopath/2007/PartnerControls">
-          <TermName xmlns="http://schemas.microsoft.com/office/infopath/2007/PartnerControls">Unassigned</TermName>
-          <TermId xmlns="http://schemas.microsoft.com/office/infopath/2007/PartnerControls">e51362f4-782c-41a8-bb7b-e0cfc8669933</TermId>
-        </TermInfo>
-      </Terms>
-    </Event1TaxHTField0>
-    <AudienceTaxHTField0 xmlns="8b529f77-48ab-4581-b468-93f09345b8aa">
-      <Terms xmlns="http://schemas.microsoft.com/office/infopath/2007/PartnerControls"/>
-    </AudienceTaxHTField0>
-    <MS_x0020_Content_x0020_Owner xmlns="2295e2e7-0eeb-498e-8716-217bb2ee6ee3">
-      <UserInfo>
-        <DisplayName/>
-        <AccountId xsi:nil="true"/>
-        <AccountType/>
-      </UserInfo>
-    </MS_x0020_Content_x0020_Owner>
-    <TaxCatchAll xmlns="2295e2e7-0eeb-498e-8716-217bb2ee6ee3">
-      <Value>217</Value>
-    </TaxCatchAll>
-    <Event_x0020_VenueTaxHTField0 xmlns="2295e2e7-0eeb-498e-8716-217bb2ee6ee3">
-      <Terms xmlns="http://schemas.microsoft.com/office/infopath/2007/PartnerControls"/>
-    </Event_x0020_VenueTaxHTField0>
-  </documentManagement>
-</p:properties>
+<?mso-contentType ?>
+<FormTemplates xmlns="http://schemas.microsoft.com/sharepoint/v3/contenttype/forms">
+  <Display>DocumentLibraryForm</Display>
+  <Edit>DocumentLibraryForm</Edit>
+  <New>DocumentLibraryForm</New>
+</FormTemplates>
 </file>
 
 <file path=customXml/item2.xml><?xml version="1.0" encoding="utf-8"?>
@@ -10589,27 +12979,64 @@
 </file>
 
 <file path=customXml/item3.xml><?xml version="1.0" encoding="utf-8"?>
-<?mso-contentType ?>
-<FormTemplates xmlns="http://schemas.microsoft.com/sharepoint/v3/contenttype/forms">
-  <Display>DocumentLibraryForm</Display>
-  <Edit>DocumentLibraryForm</Edit>
-  <New>DocumentLibraryForm</New>
-</FormTemplates>
+<p:properties xmlns:p="http://schemas.microsoft.com/office/2006/metadata/properties" xmlns:xsi="http://www.w3.org/2001/XMLSchema-instance" xmlns:pc="http://schemas.microsoft.com/office/infopath/2007/PartnerControls">
+  <documentManagement>
+    <TrackTaxHTField0 xmlns="2295e2e7-0eeb-498e-8716-217bb2ee6ee3">
+      <Terms xmlns="http://schemas.microsoft.com/office/infopath/2007/PartnerControls"/>
+    </TrackTaxHTField0>
+    <CampaignTaxHTField0 xmlns="2295e2e7-0eeb-498e-8716-217bb2ee6ee3">
+      <Terms xmlns="http://schemas.microsoft.com/office/infopath/2007/PartnerControls"/>
+    </CampaignTaxHTField0>
+    <Event_x0020_End_x0020_Date xmlns="2295e2e7-0eeb-498e-8716-217bb2ee6ee3" xsi:nil="true"/>
+    <Event_x0020_Start_x0020_Date xmlns="2295e2e7-0eeb-498e-8716-217bb2ee6ee3" xsi:nil="true"/>
+    <MS_x0020_Speaker xmlns="2295e2e7-0eeb-498e-8716-217bb2ee6ee3">
+      <UserInfo>
+        <DisplayName/>
+        <AccountId xsi:nil="true"/>
+        <AccountType/>
+      </UserInfo>
+    </MS_x0020_Speaker>
+    <External_x0020_Speaker xmlns="2295e2e7-0eeb-498e-8716-217bb2ee6ee3" xsi:nil="true"/>
+    <Session_x0020_Code xmlns="2295e2e7-0eeb-498e-8716-217bb2ee6ee3" xsi:nil="true"/>
+    <ProductTaxHTField0 xmlns="2295e2e7-0eeb-498e-8716-217bb2ee6ee3">
+      <Terms xmlns="http://schemas.microsoft.com/office/infopath/2007/PartnerControls"/>
+    </ProductTaxHTField0>
+    <Presentation_x0020_Date xmlns="2295e2e7-0eeb-498e-8716-217bb2ee6ee3" xsi:nil="true"/>
+    <Event_x0020_LocationTaxHTField0 xmlns="2295e2e7-0eeb-498e-8716-217bb2ee6ee3">
+      <Terms xmlns="http://schemas.microsoft.com/office/infopath/2007/PartnerControls"/>
+    </Event_x0020_LocationTaxHTField0>
+    <Event1TaxHTField0 xmlns="2295e2e7-0eeb-498e-8716-217bb2ee6ee3">
+      <Terms xmlns="http://schemas.microsoft.com/office/infopath/2007/PartnerControls">
+        <TermInfo xmlns="http://schemas.microsoft.com/office/infopath/2007/PartnerControls">
+          <TermName xmlns="http://schemas.microsoft.com/office/infopath/2007/PartnerControls">Unassigned</TermName>
+          <TermId xmlns="http://schemas.microsoft.com/office/infopath/2007/PartnerControls">e51362f4-782c-41a8-bb7b-e0cfc8669933</TermId>
+        </TermInfo>
+      </Terms>
+    </Event1TaxHTField0>
+    <AudienceTaxHTField0 xmlns="8b529f77-48ab-4581-b468-93f09345b8aa">
+      <Terms xmlns="http://schemas.microsoft.com/office/infopath/2007/PartnerControls"/>
+    </AudienceTaxHTField0>
+    <MS_x0020_Content_x0020_Owner xmlns="2295e2e7-0eeb-498e-8716-217bb2ee6ee3">
+      <UserInfo>
+        <DisplayName/>
+        <AccountId xsi:nil="true"/>
+        <AccountType/>
+      </UserInfo>
+    </MS_x0020_Content_x0020_Owner>
+    <TaxCatchAll xmlns="2295e2e7-0eeb-498e-8716-217bb2ee6ee3">
+      <Value>217</Value>
+    </TaxCatchAll>
+    <Event_x0020_VenueTaxHTField0 xmlns="2295e2e7-0eeb-498e-8716-217bb2ee6ee3">
+      <Terms xmlns="http://schemas.microsoft.com/office/infopath/2007/PartnerControls"/>
+    </Event_x0020_VenueTaxHTField0>
+  </documentManagement>
+</p:properties>
 </file>
 
 <file path=customXml/itemProps1.xml><?xml version="1.0" encoding="utf-8"?>
-<ds:datastoreItem xmlns:ds="http://schemas.openxmlformats.org/officeDocument/2006/customXml" ds:itemID="{F990F116-B58F-4255-B05B-DA3808E0E5C6}">
+<ds:datastoreItem xmlns:ds="http://schemas.openxmlformats.org/officeDocument/2006/customXml" ds:itemID="{758FDAC0-319D-4A54-8D8E-1D42CB1F8004}">
   <ds:schemaRefs>
-    <ds:schemaRef ds:uri="http://purl.org/dc/dcmitype/"/>
-    <ds:schemaRef ds:uri="http://purl.org/dc/terms/"/>
-    <ds:schemaRef ds:uri="http://schemas.microsoft.com/office/2006/documentManagement/types"/>
-    <ds:schemaRef ds:uri="http://schemas.microsoft.com/office/2006/metadata/properties"/>
-    <ds:schemaRef ds:uri="http://schemas.openxmlformats.org/package/2006/metadata/core-properties"/>
-    <ds:schemaRef ds:uri="http://purl.org/dc/elements/1.1/"/>
-    <ds:schemaRef ds:uri="2295e2e7-0eeb-498e-8716-217bb2ee6ee3"/>
-    <ds:schemaRef ds:uri="http://schemas.microsoft.com/office/infopath/2007/PartnerControls"/>
-    <ds:schemaRef ds:uri="8b529f77-48ab-4581-b468-93f09345b8aa"/>
-    <ds:schemaRef ds:uri="http://www.w3.org/XML/1998/namespace"/>
+    <ds:schemaRef ds:uri="http://schemas.microsoft.com/sharepoint/v3/contenttype/forms"/>
   </ds:schemaRefs>
 </ds:datastoreItem>
 </file>
@@ -10634,9 +13061,18 @@
 </file>
 
 <file path=customXml/itemProps3.xml><?xml version="1.0" encoding="utf-8"?>
-<ds:datastoreItem xmlns:ds="http://schemas.openxmlformats.org/officeDocument/2006/customXml" ds:itemID="{758FDAC0-319D-4A54-8D8E-1D42CB1F8004}">
+<ds:datastoreItem xmlns:ds="http://schemas.openxmlformats.org/officeDocument/2006/customXml" ds:itemID="{F990F116-B58F-4255-B05B-DA3808E0E5C6}">
   <ds:schemaRefs>
-    <ds:schemaRef ds:uri="http://schemas.microsoft.com/sharepoint/v3/contenttype/forms"/>
+    <ds:schemaRef ds:uri="http://purl.org/dc/dcmitype/"/>
+    <ds:schemaRef ds:uri="http://purl.org/dc/terms/"/>
+    <ds:schemaRef ds:uri="http://schemas.microsoft.com/office/2006/documentManagement/types"/>
+    <ds:schemaRef ds:uri="http://schemas.microsoft.com/office/2006/metadata/properties"/>
+    <ds:schemaRef ds:uri="http://schemas.openxmlformats.org/package/2006/metadata/core-properties"/>
+    <ds:schemaRef ds:uri="http://purl.org/dc/elements/1.1/"/>
+    <ds:schemaRef ds:uri="2295e2e7-0eeb-498e-8716-217bb2ee6ee3"/>
+    <ds:schemaRef ds:uri="http://schemas.microsoft.com/office/infopath/2007/PartnerControls"/>
+    <ds:schemaRef ds:uri="8b529f77-48ab-4581-b468-93f09345b8aa"/>
+    <ds:schemaRef ds:uri="http://www.w3.org/XML/1998/namespace"/>
   </ds:schemaRefs>
 </ds:datastoreItem>
 </file>